--- a/评审PPT/需求分析/项目需求设计-G07.pptx
+++ b/评审PPT/需求分析/项目需求设计-G07.pptx
@@ -5,16 +5,16 @@
     <p:sldMasterId id="2147483648" r:id="rId1"/>
   </p:sldMasterIdLst>
   <p:notesMasterIdLst>
-    <p:notesMasterId r:id="rId24"/>
+    <p:notesMasterId r:id="rId17"/>
   </p:notesMasterIdLst>
   <p:sldIdLst>
     <p:sldId id="318" r:id="rId3"/>
     <p:sldId id="404" r:id="rId4"/>
     <p:sldId id="319" r:id="rId5"/>
     <p:sldId id="306" r:id="rId6"/>
-    <p:sldId id="442" r:id="rId7"/>
-    <p:sldId id="443" r:id="rId8"/>
-    <p:sldId id="473" r:id="rId9"/>
+    <p:sldId id="473" r:id="rId7"/>
+    <p:sldId id="442" r:id="rId8"/>
+    <p:sldId id="443" r:id="rId9"/>
     <p:sldId id="474" r:id="rId10"/>
     <p:sldId id="320" r:id="rId11"/>
     <p:sldId id="444" r:id="rId12"/>
@@ -22,20 +22,20 @@
     <p:sldId id="332" r:id="rId14"/>
     <p:sldId id="447" r:id="rId15"/>
     <p:sldId id="448" r:id="rId16"/>
-    <p:sldId id="450" r:id="rId17"/>
-    <p:sldId id="451" r:id="rId18"/>
-    <p:sldId id="311" r:id="rId19"/>
-    <p:sldId id="452" r:id="rId20"/>
-    <p:sldId id="453" r:id="rId21"/>
-    <p:sldId id="454" r:id="rId22"/>
-    <p:sldId id="464" r:id="rId23"/>
+    <p:sldId id="450" r:id="rId18"/>
+    <p:sldId id="451" r:id="rId19"/>
+    <p:sldId id="311" r:id="rId20"/>
+    <p:sldId id="452" r:id="rId21"/>
+    <p:sldId id="475" r:id="rId22"/>
+    <p:sldId id="453" r:id="rId23"/>
+    <p:sldId id="454" r:id="rId24"/>
     <p:sldId id="310" r:id="rId25"/>
     <p:sldId id="456" r:id="rId26"/>
     <p:sldId id="455" r:id="rId27"/>
     <p:sldId id="312" r:id="rId28"/>
     <p:sldId id="293" r:id="rId29"/>
     <p:sldId id="294" r:id="rId30"/>
-    <p:sldId id="289" r:id="rId31"/>
+    <p:sldId id="495" r:id="rId31"/>
     <p:sldId id="290" r:id="rId32"/>
   </p:sldIdLst>
   <p:sldSz cx="12192000" cy="6858000"/>
@@ -540,11 +540,20 @@
         <p:cNvGrpSpPr/>
         <p:nvPr/>
       </p:nvGrpSpPr>
-      <p:grpSpPr/>
+      <p:grpSpPr>
+        <a:xfrm>
+          <a:off x="0" y="0"/>
+          <a:ext cx="0" cy="0"/>
+          <a:chOff x="0" y="0"/>
+          <a:chExt cx="0" cy="0"/>
+        </a:xfrm>
+      </p:grpSpPr>
       <p:sp>
         <p:nvSpPr>
           <p:cNvPr id="2" name="Slide Image Placeholder 1"/>
-          <p:cNvSpPr/>
+          <p:cNvSpPr>
+            <a:spLocks noGrp="1" noRot="1" noChangeAspect="1"/>
+          </p:cNvSpPr>
           <p:nvPr>
             <p:ph type="sldImg" idx="2"/>
           </p:nvPr>
@@ -554,7 +563,9 @@
       <p:sp>
         <p:nvSpPr>
           <p:cNvPr id="3" name="Text Placeholder 2"/>
-          <p:cNvSpPr/>
+          <p:cNvSpPr>
+            <a:spLocks noGrp="1"/>
+          </p:cNvSpPr>
           <p:nvPr>
             <p:ph type="body" idx="3"/>
           </p:nvPr>
@@ -562,6 +573,7 @@
         <p:spPr/>
         <p:txBody>
           <a:bodyPr/>
+          <a:lstStyle/>
           <a:p>
             <a:endParaRPr lang="en-US"/>
           </a:p>
@@ -632,6 +644,62 @@
 </file>
 
 <file path=ppt/notesSlides/notesSlide4.xml><?xml version="1.0" encoding="utf-8"?>
+<p:notes xmlns:a="http://schemas.openxmlformats.org/drawingml/2006/main" xmlns:r="http://schemas.openxmlformats.org/officeDocument/2006/relationships" xmlns:p="http://schemas.openxmlformats.org/presentationml/2006/main">
+  <p:cSld>
+    <p:spTree>
+      <p:nvGrpSpPr>
+        <p:cNvPr id="1" name=""/>
+        <p:cNvGrpSpPr/>
+        <p:nvPr/>
+      </p:nvGrpSpPr>
+      <p:grpSpPr>
+        <a:xfrm>
+          <a:off x="0" y="0"/>
+          <a:ext cx="0" cy="0"/>
+          <a:chOff x="0" y="0"/>
+          <a:chExt cx="0" cy="0"/>
+        </a:xfrm>
+      </p:grpSpPr>
+      <p:sp>
+        <p:nvSpPr>
+          <p:cNvPr id="2" name="Slide Image Placeholder 1"/>
+          <p:cNvSpPr>
+            <a:spLocks noGrp="1" noRot="1" noChangeAspect="1"/>
+          </p:cNvSpPr>
+          <p:nvPr>
+            <p:ph type="sldImg" idx="2"/>
+          </p:nvPr>
+        </p:nvSpPr>
+        <p:spPr/>
+      </p:sp>
+      <p:sp>
+        <p:nvSpPr>
+          <p:cNvPr id="3" name="Text Placeholder 2"/>
+          <p:cNvSpPr>
+            <a:spLocks noGrp="1"/>
+          </p:cNvSpPr>
+          <p:nvPr>
+            <p:ph type="body" idx="3"/>
+          </p:nvPr>
+        </p:nvSpPr>
+        <p:spPr/>
+        <p:txBody>
+          <a:bodyPr/>
+          <a:lstStyle/>
+          <a:p>
+            <a:endParaRPr lang="en-US"/>
+          </a:p>
+        </p:txBody>
+      </p:sp>
+    </p:spTree>
+  </p:cSld>
+  <p:clrMapOvr>
+    <a:masterClrMapping/>
+  </p:clrMapOvr>
+</p:notes>
+</file>
+
+<file path=ppt/notesSlides/notesSlide5.xml><?xml version="1.0" encoding="utf-8"?>
 <p:notes xmlns:a="http://schemas.openxmlformats.org/drawingml/2006/main" xmlns:r="http://schemas.openxmlformats.org/officeDocument/2006/relationships" xmlns:p="http://schemas.openxmlformats.org/presentationml/2006/main">
   <p:cSld>
     <p:spTree>
@@ -3808,7 +3876,7 @@
                 <a:ea typeface="宋体" panose="02010600030101010101" pitchFamily="2" charset="-122"/>
                 <a:cs typeface="宋体" panose="02010600030101010101" pitchFamily="2" charset="-122"/>
               </a:rPr>
-              <a:t>11</a:t>
+              <a:t>19</a:t>
             </a:r>
             <a:r>
               <a:rPr lang="zh-CN" altLang="en-US" sz="2400" b="1" dirty="0">
@@ -3854,6 +3922,7 @@
           <a:bodyPr wrap="none" rtlCol="0">
             <a:spAutoFit/>
           </a:bodyPr>
+          <a:lstStyle/>
           <a:p>
             <a:pPr algn="l"/>
             <a:r>
@@ -3956,7 +4025,7 @@
           <a:p>
             <a:r>
               <a:rPr lang="zh-CN" altLang="en-US" sz="2800" b="1" dirty="0"/>
-              <a:t>用户</a:t>
+              <a:t>用户类别</a:t>
             </a:r>
             <a:endParaRPr lang="en-US" altLang="zh-CN" sz="2800" b="1" dirty="0"/>
           </a:p>
@@ -3991,6 +4060,7 @@
                 <a:tc>
                   <a:txBody>
                     <a:bodyPr/>
+                    <a:lstStyle/>
                     <a:p>
                       <a:pPr algn="ctr">
                         <a:buNone/>
@@ -4106,6 +4176,7 @@
                 <a:tc>
                   <a:txBody>
                     <a:bodyPr/>
+                    <a:lstStyle/>
                     <a:p>
                       <a:pPr algn="ctr">
                         <a:buNone/>
@@ -4232,6 +4303,7 @@
                 <a:tc>
                   <a:txBody>
                     <a:bodyPr/>
+                    <a:lstStyle/>
                     <a:p>
                       <a:pPr algn="ctr">
                         <a:buNone/>
@@ -4361,6 +4433,7 @@
                 <a:tc>
                   <a:txBody>
                     <a:bodyPr/>
+                    <a:lstStyle/>
                     <a:p>
                       <a:pPr algn="ctr">
                         <a:buNone/>
@@ -4490,6 +4563,7 @@
                 <a:tc>
                   <a:txBody>
                     <a:bodyPr/>
+                    <a:lstStyle/>
                     <a:p>
                       <a:pPr algn="ctr">
                         <a:buNone/>
@@ -4619,6 +4693,7 @@
                 <a:tc>
                   <a:txBody>
                     <a:bodyPr/>
+                    <a:lstStyle/>
                     <a:p>
                       <a:pPr algn="ctr">
                         <a:buNone/>
@@ -4756,7 +4831,7 @@
         </p:nvSpPr>
         <p:spPr>
           <a:xfrm>
-            <a:off x="1858241" y="821863"/>
+            <a:off x="1857408" y="1054301"/>
             <a:ext cx="8598477" cy="460375"/>
           </a:xfrm>
           <a:prstGeom prst="rect">
@@ -4768,6 +4843,7 @@
           <a:bodyPr wrap="square" rtlCol="0">
             <a:spAutoFit/>
           </a:bodyPr>
+          <a:lstStyle/>
           <a:p>
             <a:pPr algn="ctr"/>
             <a:r>
@@ -4798,6 +4874,7 @@
           <a:bodyPr wrap="square" rtlCol="0">
             <a:spAutoFit/>
           </a:bodyPr>
+          <a:lstStyle/>
           <a:p>
             <a:r>
               <a:rPr lang="zh-CN" altLang="en-US" dirty="0"/>
@@ -5026,6 +5103,14 @@
                     <a:lstStyle/>
                     <a:p>
                       <a:pPr algn="ctr"/>
+                      <a:r>
+                        <a:rPr lang="en-US" altLang="zh-CN" sz="1800" dirty="0">
+                          <a:latin typeface="宋体" panose="02010600030101010101" pitchFamily="2" charset="-122"/>
+                          <a:ea typeface="宋体" panose="02010600030101010101" pitchFamily="2" charset="-122"/>
+                          <a:sym typeface="+mn-ea"/>
+                        </a:rPr>
+                        <a:t>2020.11.13</a:t>
+                      </a:r>
                       <a:endParaRPr lang="en-US" altLang="zh-CN" sz="1800" dirty="0">
                         <a:latin typeface="宋体" panose="02010600030101010101" pitchFamily="2" charset="-122"/>
                         <a:ea typeface="宋体" panose="02010600030101010101" pitchFamily="2" charset="-122"/>
@@ -5038,6 +5123,43 @@
                   <a:txBody>
                     <a:bodyPr/>
                     <a:lstStyle/>
+                    <a:p>
+                      <a:pPr algn="ctr"/>
+                      <a:r>
+                        <a:rPr lang="zh-CN" altLang="en-US" sz="1800" dirty="0">
+                          <a:latin typeface="宋体" panose="02010600030101010101" pitchFamily="2" charset="-122"/>
+                          <a:ea typeface="宋体" panose="02010600030101010101" pitchFamily="2" charset="-122"/>
+                          <a:cs typeface="宋体" panose="02010600030101010101" pitchFamily="2" charset="-122"/>
+                          <a:sym typeface="+mn-ea"/>
+                          <a:hlinkClick r:id="rId2" tooltip="" action="ppaction://hlinkfile"/>
+                        </a:rPr>
+                        <a:t>访谈记录表_</a:t>
+                      </a:r>
+                      <a:r>
+                        <a:rPr lang="zh-CN" altLang="en-US" sz="1800" dirty="0">
+                          <a:latin typeface="宋体" panose="02010600030101010101" pitchFamily="2" charset="-122"/>
+                          <a:ea typeface="宋体" panose="02010600030101010101" pitchFamily="2" charset="-122"/>
+                          <a:sym typeface="+mn-ea"/>
+                          <a:hlinkClick r:id="rId2" tooltip="" action="ppaction://hlinkfile"/>
+                        </a:rPr>
+                        <a:t>杨枨老师</a:t>
+                      </a:r>
+                      <a:r>
+                        <a:rPr lang="en-US" altLang="zh-CN" sz="1800" dirty="0">
+                          <a:latin typeface="宋体" panose="02010600030101010101" pitchFamily="2" charset="-122"/>
+                          <a:ea typeface="宋体" panose="02010600030101010101" pitchFamily="2" charset="-122"/>
+                          <a:cs typeface="宋体" panose="02010600030101010101" pitchFamily="2" charset="-122"/>
+                          <a:sym typeface="+mn-ea"/>
+                          <a:hlinkClick r:id="rId2" tooltip="" action="ppaction://hlinkfile"/>
+                        </a:rPr>
+                        <a:t>.docx</a:t>
+                      </a:r>
+                      <a:endParaRPr lang="en-US" altLang="zh-CN" sz="1800" dirty="0">
+                        <a:latin typeface="宋体" panose="02010600030101010101" pitchFamily="2" charset="-122"/>
+                        <a:ea typeface="宋体" panose="02010600030101010101" pitchFamily="2" charset="-122"/>
+                        <a:cs typeface="宋体" panose="02010600030101010101" pitchFamily="2" charset="-122"/>
+                      </a:endParaRPr>
+                    </a:p>
                     <a:p>
                       <a:pPr algn="ctr"/>
                       <a:endParaRPr lang="zh-CN" altLang="en-US" sz="1800" dirty="0">
@@ -5085,6 +5207,21 @@
                     <a:lstStyle/>
                     <a:p>
                       <a:pPr algn="ctr"/>
+                      <a:r>
+                        <a:rPr lang="en-US" altLang="zh-CN" sz="1800" dirty="0">
+                          <a:latin typeface="宋体" panose="02010600030101010101" pitchFamily="2" charset="-122"/>
+                          <a:ea typeface="宋体" panose="02010600030101010101" pitchFamily="2" charset="-122"/>
+                          <a:sym typeface="+mn-ea"/>
+                        </a:rPr>
+                        <a:t>2020.11.15</a:t>
+                      </a:r>
+                      <a:endParaRPr lang="en-US" altLang="zh-CN" sz="1800" dirty="0">
+                        <a:latin typeface="宋体" panose="02010600030101010101" pitchFamily="2" charset="-122"/>
+                        <a:ea typeface="宋体" panose="02010600030101010101" pitchFamily="2" charset="-122"/>
+                      </a:endParaRPr>
+                    </a:p>
+                    <a:p>
+                      <a:pPr algn="ctr"/>
                       <a:endParaRPr lang="en-US" altLang="zh-CN" sz="1800" dirty="0">
                         <a:latin typeface="宋体" panose="02010600030101010101" pitchFamily="2" charset="-122"/>
                         <a:ea typeface="宋体" panose="02010600030101010101" pitchFamily="2" charset="-122"/>
@@ -5097,6 +5234,43 @@
                   <a:txBody>
                     <a:bodyPr/>
                     <a:lstStyle/>
+                    <a:p>
+                      <a:pPr algn="ctr"/>
+                      <a:r>
+                        <a:rPr lang="zh-CN" altLang="en-US" sz="1800" dirty="0">
+                          <a:latin typeface="宋体" panose="02010600030101010101" pitchFamily="2" charset="-122"/>
+                          <a:ea typeface="宋体" panose="02010600030101010101" pitchFamily="2" charset="-122"/>
+                          <a:cs typeface="宋体" panose="02010600030101010101" pitchFamily="2" charset="-122"/>
+                          <a:sym typeface="+mn-ea"/>
+                          <a:hlinkClick r:id="rId3" tooltip="" action="ppaction://hlinkfile"/>
+                        </a:rPr>
+                        <a:t>访谈记录表_</a:t>
+                      </a:r>
+                      <a:r>
+                        <a:rPr lang="zh-CN" altLang="en-US" sz="1800" dirty="0">
+                          <a:latin typeface="宋体" panose="02010600030101010101" pitchFamily="2" charset="-122"/>
+                          <a:ea typeface="宋体" panose="02010600030101010101" pitchFamily="2" charset="-122"/>
+                          <a:sym typeface="+mn-ea"/>
+                          <a:hlinkClick r:id="rId3" tooltip="" action="ppaction://hlinkfile"/>
+                        </a:rPr>
+                        <a:t>邓文康</a:t>
+                      </a:r>
+                      <a:r>
+                        <a:rPr lang="en-US" altLang="zh-CN" sz="1800" dirty="0">
+                          <a:latin typeface="宋体" panose="02010600030101010101" pitchFamily="2" charset="-122"/>
+                          <a:ea typeface="宋体" panose="02010600030101010101" pitchFamily="2" charset="-122"/>
+                          <a:cs typeface="宋体" panose="02010600030101010101" pitchFamily="2" charset="-122"/>
+                          <a:sym typeface="+mn-ea"/>
+                          <a:hlinkClick r:id="rId3" tooltip="" action="ppaction://hlinkfile"/>
+                        </a:rPr>
+                        <a:t>.docx</a:t>
+                      </a:r>
+                      <a:endParaRPr lang="en-US" altLang="zh-CN" sz="1800" dirty="0">
+                        <a:latin typeface="宋体" panose="02010600030101010101" pitchFamily="2" charset="-122"/>
+                        <a:ea typeface="宋体" panose="02010600030101010101" pitchFamily="2" charset="-122"/>
+                        <a:cs typeface="宋体" panose="02010600030101010101" pitchFamily="2" charset="-122"/>
+                      </a:endParaRPr>
+                    </a:p>
                     <a:p>
                       <a:pPr algn="ctr"/>
                       <a:endParaRPr lang="zh-CN" altLang="en-US" sz="1800" dirty="0">
@@ -5170,6 +5344,7 @@
                           <a:latin typeface="宋体" panose="02010600030101010101" pitchFamily="2" charset="-122"/>
                           <a:ea typeface="宋体" panose="02010600030101010101" pitchFamily="2" charset="-122"/>
                           <a:cs typeface="宋体" panose="02010600030101010101" pitchFamily="2" charset="-122"/>
+                          <a:hlinkClick r:id="rId4" action="ppaction://hlinkfile"/>
                         </a:rPr>
                         <a:t>访谈记录表_</a:t>
                       </a:r>
@@ -5178,6 +5353,7 @@
                           <a:latin typeface="宋体" panose="02010600030101010101" pitchFamily="2" charset="-122"/>
                           <a:ea typeface="宋体" panose="02010600030101010101" pitchFamily="2" charset="-122"/>
                           <a:sym typeface="+mn-ea"/>
+                          <a:hlinkClick r:id="rId4" action="ppaction://hlinkfile"/>
                         </a:rPr>
                         <a:t>刘书宇</a:t>
                       </a:r>
@@ -5186,6 +5362,7 @@
                           <a:latin typeface="宋体" panose="02010600030101010101" pitchFamily="2" charset="-122"/>
                           <a:ea typeface="宋体" panose="02010600030101010101" pitchFamily="2" charset="-122"/>
                           <a:cs typeface="宋体" panose="02010600030101010101" pitchFamily="2" charset="-122"/>
+                          <a:hlinkClick r:id="rId4" action="ppaction://hlinkfile"/>
                         </a:rPr>
                         <a:t>.docx</a:t>
                       </a:r>
@@ -5234,6 +5411,21 @@
                     <a:lstStyle/>
                     <a:p>
                       <a:pPr algn="ctr"/>
+                      <a:r>
+                        <a:rPr lang="en-US" altLang="zh-CN" sz="1800" dirty="0">
+                          <a:latin typeface="宋体" panose="02010600030101010101" pitchFamily="2" charset="-122"/>
+                          <a:ea typeface="宋体" panose="02010600030101010101" pitchFamily="2" charset="-122"/>
+                          <a:sym typeface="+mn-ea"/>
+                        </a:rPr>
+                        <a:t>2020.11.15</a:t>
+                      </a:r>
+                      <a:endParaRPr lang="en-US" altLang="zh-CN" sz="1800" dirty="0">
+                        <a:latin typeface="宋体" panose="02010600030101010101" pitchFamily="2" charset="-122"/>
+                        <a:ea typeface="宋体" panose="02010600030101010101" pitchFamily="2" charset="-122"/>
+                      </a:endParaRPr>
+                    </a:p>
+                    <a:p>
+                      <a:pPr algn="ctr"/>
                       <a:endParaRPr lang="en-US" altLang="zh-CN" sz="1800" dirty="0">
                         <a:latin typeface="宋体" panose="02010600030101010101" pitchFamily="2" charset="-122"/>
                         <a:ea typeface="宋体" panose="02010600030101010101" pitchFamily="2" charset="-122"/>
@@ -5246,6 +5438,43 @@
                   <a:txBody>
                     <a:bodyPr/>
                     <a:lstStyle/>
+                    <a:p>
+                      <a:pPr algn="ctr"/>
+                      <a:r>
+                        <a:rPr lang="zh-CN" altLang="en-US" sz="1800" dirty="0">
+                          <a:latin typeface="宋体" panose="02010600030101010101" pitchFamily="2" charset="-122"/>
+                          <a:ea typeface="宋体" panose="02010600030101010101" pitchFamily="2" charset="-122"/>
+                          <a:cs typeface="宋体" panose="02010600030101010101" pitchFamily="2" charset="-122"/>
+                          <a:sym typeface="+mn-ea"/>
+                          <a:hlinkClick r:id="rId5" action="ppaction://hlinkfile"/>
+                        </a:rPr>
+                        <a:t>访谈记录表_</a:t>
+                      </a:r>
+                      <a:r>
+                        <a:rPr lang="zh-CN" altLang="en-US" sz="1800" dirty="0">
+                          <a:latin typeface="宋体" panose="02010600030101010101" pitchFamily="2" charset="-122"/>
+                          <a:ea typeface="宋体" panose="02010600030101010101" pitchFamily="2" charset="-122"/>
+                          <a:sym typeface="+mn-ea"/>
+                          <a:hlinkClick r:id="rId5" action="ppaction://hlinkfile"/>
+                        </a:rPr>
+                        <a:t>陈玲曦</a:t>
+                      </a:r>
+                      <a:r>
+                        <a:rPr lang="en-US" altLang="zh-CN" sz="1800" dirty="0">
+                          <a:latin typeface="宋体" panose="02010600030101010101" pitchFamily="2" charset="-122"/>
+                          <a:ea typeface="宋体" panose="02010600030101010101" pitchFamily="2" charset="-122"/>
+                          <a:cs typeface="宋体" panose="02010600030101010101" pitchFamily="2" charset="-122"/>
+                          <a:sym typeface="+mn-ea"/>
+                          <a:hlinkClick r:id="rId5" action="ppaction://hlinkfile"/>
+                        </a:rPr>
+                        <a:t>.docx</a:t>
+                      </a:r>
+                      <a:endParaRPr lang="en-US" altLang="zh-CN" sz="1800" dirty="0">
+                        <a:latin typeface="宋体" panose="02010600030101010101" pitchFamily="2" charset="-122"/>
+                        <a:ea typeface="宋体" panose="02010600030101010101" pitchFamily="2" charset="-122"/>
+                        <a:cs typeface="宋体" panose="02010600030101010101" pitchFamily="2" charset="-122"/>
+                      </a:endParaRPr>
+                    </a:p>
                     <a:p>
                       <a:pPr algn="ctr"/>
                       <a:endParaRPr lang="zh-CN" altLang="en-US" sz="1800" dirty="0">
@@ -5320,6 +5549,7 @@
                           <a:ea typeface="宋体" panose="02010600030101010101" pitchFamily="2" charset="-122"/>
                           <a:cs typeface="宋体" panose="02010600030101010101" pitchFamily="2" charset="-122"/>
                           <a:sym typeface="+mn-ea"/>
+                          <a:hlinkClick r:id="rId6" action="ppaction://hlinkfile"/>
                         </a:rPr>
                         <a:t>访谈记录表_梁晓晓</a:t>
                       </a:r>
@@ -5329,6 +5559,7 @@
                           <a:ea typeface="宋体" panose="02010600030101010101" pitchFamily="2" charset="-122"/>
                           <a:cs typeface="宋体" panose="02010600030101010101" pitchFamily="2" charset="-122"/>
                           <a:sym typeface="+mn-ea"/>
+                          <a:hlinkClick r:id="rId6" action="ppaction://hlinkfile"/>
                         </a:rPr>
                         <a:t>.docx</a:t>
                       </a:r>
@@ -5363,7 +5594,7 @@
           <p:nvPr/>
         </p:nvPicPr>
         <p:blipFill>
-          <a:blip r:embed="rId2" cstate="print">
+          <a:blip r:embed="rId7" cstate="print">
             <a:extLst>
               <a:ext uri="{28A0092B-C50C-407E-A947-70E740481C1C}">
                 <a14:useLocalDpi xmlns:a14="http://schemas.microsoft.com/office/drawing/2010/main" val="0"/>
@@ -6186,7 +6417,7 @@
         <p:spPr>
           <a:xfrm>
             <a:off x="3474268" y="6118533"/>
-            <a:ext cx="1153160" cy="368300"/>
+            <a:ext cx="1191895" cy="368300"/>
           </a:xfrm>
           <a:prstGeom prst="rect">
             <a:avLst/>
@@ -6205,7 +6436,7 @@
                 <a:ea typeface="微软雅黑 Light" panose="020B0502040204020203" pitchFamily="34" charset="-122"/>
                 <a:cs typeface="微软雅黑 Light" panose="020B0502040204020203" pitchFamily="34" charset="-122"/>
               </a:rPr>
-              <a:t>2020.11.11</a:t>
+              <a:t>2020.11.12</a:t>
             </a:r>
             <a:endParaRPr kumimoji="1" lang="zh-CN" altLang="en-US" dirty="0">
               <a:latin typeface="微软雅黑 Light" panose="020B0502040204020203" pitchFamily="34" charset="-122"/>
@@ -6235,6 +6466,7 @@
           <a:bodyPr wrap="square" rtlCol="0">
             <a:spAutoFit/>
           </a:bodyPr>
+          <a:lstStyle/>
           <a:p>
             <a:pPr fontAlgn="auto">
               <a:lnSpc>
@@ -6250,7 +6482,7 @@
               <a:t>根据《GB8567-88 计算机软件产品开发文件编制指南》中软件需求说明书的要求，同时参考</a:t>
             </a:r>
             <a:r>
-              <a:rPr lang="zh-CN" altLang="en-US" dirty="0" smtClean="0">
+              <a:rPr lang="zh-CN" altLang="en-US" dirty="0">
                 <a:latin typeface="宋体" panose="02010600030101010101" pitchFamily="2" charset="-122"/>
                 <a:ea typeface="宋体" panose="02010600030101010101" pitchFamily="2" charset="-122"/>
                 <a:cs typeface="宋体" panose="02010600030101010101" pitchFamily="2" charset="-122"/>
@@ -6259,7 +6491,7 @@
               <a:t>《GB8567－</a:t>
             </a:r>
             <a:r>
-              <a:rPr lang="en-US" altLang="zh-CN" dirty="0" smtClean="0">
+              <a:rPr lang="en-US" altLang="zh-CN" dirty="0">
                 <a:latin typeface="宋体" panose="02010600030101010101" pitchFamily="2" charset="-122"/>
                 <a:ea typeface="宋体" panose="02010600030101010101" pitchFamily="2" charset="-122"/>
                 <a:cs typeface="宋体" panose="02010600030101010101" pitchFamily="2" charset="-122"/>
@@ -6268,7 +6500,7 @@
               <a:t>2006</a:t>
             </a:r>
             <a:r>
-              <a:rPr lang="zh-CN" altLang="en-US" dirty="0" smtClean="0">
+              <a:rPr lang="zh-CN" altLang="en-US" dirty="0">
                 <a:latin typeface="宋体" panose="02010600030101010101" pitchFamily="2" charset="-122"/>
                 <a:ea typeface="宋体" panose="02010600030101010101" pitchFamily="2" charset="-122"/>
                 <a:cs typeface="宋体" panose="02010600030101010101" pitchFamily="2" charset="-122"/>
@@ -6289,7 +6521,7 @@
                 <a:latin typeface="宋体" panose="02010600030101010101" pitchFamily="2" charset="-122"/>
                 <a:ea typeface="宋体" panose="02010600030101010101" pitchFamily="2" charset="-122"/>
                 <a:cs typeface="宋体" panose="02010600030101010101" pitchFamily="2" charset="-122"/>
-                <a:hlinkClick r:id="rId5" action="ppaction://hlinkfile"/>
+                <a:hlinkClick r:id="rId5" tooltip="" action="ppaction://hlinkfile"/>
               </a:rPr>
               <a:t>《软件需求规格说明》</a:t>
             </a:r>
@@ -6305,6 +6537,327 @@
               <a:latin typeface="宋体" panose="02010600030101010101" pitchFamily="2" charset="-122"/>
               <a:ea typeface="宋体" panose="02010600030101010101" pitchFamily="2" charset="-122"/>
               <a:cs typeface="宋体" panose="02010600030101010101" pitchFamily="2" charset="-122"/>
+            </a:endParaRPr>
+          </a:p>
+        </p:txBody>
+      </p:sp>
+      <p:grpSp>
+        <p:nvGrpSpPr>
+          <p:cNvPr id="2" name="组 5"/>
+          <p:cNvGrpSpPr/>
+          <p:nvPr/>
+        </p:nvGrpSpPr>
+        <p:grpSpPr>
+          <a:xfrm>
+            <a:off x="6129545" y="3375475"/>
+            <a:ext cx="2319215" cy="2319215"/>
+            <a:chOff x="2938584" y="2242373"/>
+            <a:chExt cx="2319215" cy="2319215"/>
+          </a:xfrm>
+        </p:grpSpPr>
+        <p:pic>
+          <p:nvPicPr>
+            <p:cNvPr id="9" name="图片 3">
+              <a:hlinkClick r:id="rId3" action="ppaction://hlinkfile"/>
+            </p:cNvPr>
+            <p:cNvPicPr>
+              <a:picLocks noChangeAspect="1"/>
+            </p:cNvPicPr>
+            <p:nvPr/>
+          </p:nvPicPr>
+          <p:blipFill>
+            <a:blip r:embed="rId4" cstate="print">
+              <a:extLst>
+                <a:ext uri="{28A0092B-C50C-407E-A947-70E740481C1C}">
+                  <a14:useLocalDpi xmlns:a14="http://schemas.microsoft.com/office/drawing/2010/main" val="0"/>
+                </a:ext>
+              </a:extLst>
+            </a:blip>
+            <a:stretch>
+              <a:fillRect/>
+            </a:stretch>
+          </p:blipFill>
+          <p:spPr>
+            <a:xfrm>
+              <a:off x="2938584" y="2242373"/>
+              <a:ext cx="2319215" cy="2319215"/>
+            </a:xfrm>
+            <a:prstGeom prst="rect">
+              <a:avLst/>
+            </a:prstGeom>
+          </p:spPr>
+        </p:pic>
+        <p:sp>
+          <p:nvSpPr>
+            <p:cNvPr id="10" name="文本框 4"/>
+            <p:cNvSpPr txBox="1"/>
+            <p:nvPr/>
+          </p:nvSpPr>
+          <p:spPr>
+            <a:xfrm>
+              <a:off x="3858007" y="2727435"/>
+              <a:ext cx="480060" cy="306705"/>
+            </a:xfrm>
+            <a:prstGeom prst="rect">
+              <a:avLst/>
+            </a:prstGeom>
+            <a:noFill/>
+          </p:spPr>
+          <p:txBody>
+            <a:bodyPr wrap="none" rtlCol="0">
+              <a:spAutoFit/>
+            </a:bodyPr>
+            <a:lstStyle/>
+            <a:p>
+              <a:r>
+                <a:rPr kumimoji="1" lang="en-US" altLang="zh-CN" sz="1400" dirty="0">
+                  <a:latin typeface="微软雅黑 Light" panose="020B0502040204020203" pitchFamily="34" charset="-122"/>
+                  <a:ea typeface="微软雅黑 Light" panose="020B0502040204020203" pitchFamily="34" charset="-122"/>
+                  <a:cs typeface="微软雅黑 Light" panose="020B0502040204020203" pitchFamily="34" charset="-122"/>
+                </a:rPr>
+                <a:t>SRS</a:t>
+              </a:r>
+              <a:endParaRPr kumimoji="1" lang="en-US" altLang="zh-CN" sz="1400" dirty="0">
+                <a:latin typeface="微软雅黑 Light" panose="020B0502040204020203" pitchFamily="34" charset="-122"/>
+                <a:ea typeface="微软雅黑 Light" panose="020B0502040204020203" pitchFamily="34" charset="-122"/>
+                <a:cs typeface="微软雅黑 Light" panose="020B0502040204020203" pitchFamily="34" charset="-122"/>
+              </a:endParaRPr>
+            </a:p>
+          </p:txBody>
+        </p:sp>
+      </p:grpSp>
+      <p:sp>
+        <p:nvSpPr>
+          <p:cNvPr id="11" name="文本框 6"/>
+          <p:cNvSpPr txBox="1"/>
+          <p:nvPr/>
+        </p:nvSpPr>
+        <p:spPr>
+          <a:xfrm>
+            <a:off x="6877444" y="5765841"/>
+            <a:ext cx="822325" cy="368300"/>
+          </a:xfrm>
+          <a:prstGeom prst="rect">
+            <a:avLst/>
+          </a:prstGeom>
+          <a:noFill/>
+        </p:spPr>
+        <p:txBody>
+          <a:bodyPr wrap="none" rtlCol="0">
+            <a:spAutoFit/>
+          </a:bodyPr>
+          <a:lstStyle/>
+          <a:p>
+            <a:pPr algn="ctr"/>
+            <a:r>
+              <a:rPr kumimoji="1" lang="en-US" altLang="zh-CN" dirty="0">
+                <a:latin typeface="微软雅黑 Light" panose="020B0502040204020203" pitchFamily="34" charset="-122"/>
+                <a:ea typeface="微软雅黑 Light" panose="020B0502040204020203" pitchFamily="34" charset="-122"/>
+                <a:cs typeface="微软雅黑 Light" panose="020B0502040204020203" pitchFamily="34" charset="-122"/>
+              </a:rPr>
+              <a:t>V0.2.0</a:t>
+            </a:r>
+            <a:endParaRPr kumimoji="1" lang="zh-CN" altLang="en-US" dirty="0">
+              <a:latin typeface="微软雅黑 Light" panose="020B0502040204020203" pitchFamily="34" charset="-122"/>
+              <a:ea typeface="微软雅黑 Light" panose="020B0502040204020203" pitchFamily="34" charset="-122"/>
+              <a:cs typeface="微软雅黑 Light" panose="020B0502040204020203" pitchFamily="34" charset="-122"/>
+            </a:endParaRPr>
+          </a:p>
+        </p:txBody>
+      </p:sp>
+      <p:sp>
+        <p:nvSpPr>
+          <p:cNvPr id="13" name="文本框 13"/>
+          <p:cNvSpPr txBox="1"/>
+          <p:nvPr/>
+        </p:nvSpPr>
+        <p:spPr>
+          <a:xfrm>
+            <a:off x="6693083" y="6118533"/>
+            <a:ext cx="1191895" cy="368300"/>
+          </a:xfrm>
+          <a:prstGeom prst="rect">
+            <a:avLst/>
+          </a:prstGeom>
+          <a:noFill/>
+        </p:spPr>
+        <p:txBody>
+          <a:bodyPr wrap="none" rtlCol="0">
+            <a:spAutoFit/>
+          </a:bodyPr>
+          <a:lstStyle/>
+          <a:p>
+            <a:r>
+              <a:rPr kumimoji="1" lang="en-US" altLang="zh-CN" dirty="0">
+                <a:latin typeface="微软雅黑 Light" panose="020B0502040204020203" pitchFamily="34" charset="-122"/>
+                <a:ea typeface="微软雅黑 Light" panose="020B0502040204020203" pitchFamily="34" charset="-122"/>
+                <a:cs typeface="微软雅黑 Light" panose="020B0502040204020203" pitchFamily="34" charset="-122"/>
+              </a:rPr>
+              <a:t>2020.11.15</a:t>
+            </a:r>
+            <a:endParaRPr kumimoji="1" lang="zh-CN" altLang="en-US" dirty="0">
+              <a:latin typeface="微软雅黑 Light" panose="020B0502040204020203" pitchFamily="34" charset="-122"/>
+              <a:ea typeface="微软雅黑 Light" panose="020B0502040204020203" pitchFamily="34" charset="-122"/>
+              <a:cs typeface="微软雅黑 Light" panose="020B0502040204020203" pitchFamily="34" charset="-122"/>
+            </a:endParaRPr>
+          </a:p>
+        </p:txBody>
+      </p:sp>
+      <p:grpSp>
+        <p:nvGrpSpPr>
+          <p:cNvPr id="15" name="组 5"/>
+          <p:cNvGrpSpPr/>
+          <p:nvPr/>
+        </p:nvGrpSpPr>
+        <p:grpSpPr>
+          <a:xfrm>
+            <a:off x="9286130" y="3375475"/>
+            <a:ext cx="2319215" cy="2319215"/>
+            <a:chOff x="2938584" y="2242373"/>
+            <a:chExt cx="2319215" cy="2319215"/>
+          </a:xfrm>
+        </p:grpSpPr>
+        <p:pic>
+          <p:nvPicPr>
+            <p:cNvPr id="16" name="图片 3">
+              <a:hlinkClick r:id="rId3" action="ppaction://hlinkfile"/>
+            </p:cNvPr>
+            <p:cNvPicPr>
+              <a:picLocks noChangeAspect="1"/>
+            </p:cNvPicPr>
+            <p:nvPr/>
+          </p:nvPicPr>
+          <p:blipFill>
+            <a:blip r:embed="rId4" cstate="print">
+              <a:extLst>
+                <a:ext uri="{28A0092B-C50C-407E-A947-70E740481C1C}">
+                  <a14:useLocalDpi xmlns:a14="http://schemas.microsoft.com/office/drawing/2010/main" val="0"/>
+                </a:ext>
+              </a:extLst>
+            </a:blip>
+            <a:stretch>
+              <a:fillRect/>
+            </a:stretch>
+          </p:blipFill>
+          <p:spPr>
+            <a:xfrm>
+              <a:off x="2938584" y="2242373"/>
+              <a:ext cx="2319215" cy="2319215"/>
+            </a:xfrm>
+            <a:prstGeom prst="rect">
+              <a:avLst/>
+            </a:prstGeom>
+          </p:spPr>
+        </p:pic>
+        <p:sp>
+          <p:nvSpPr>
+            <p:cNvPr id="17" name="文本框 4"/>
+            <p:cNvSpPr txBox="1"/>
+            <p:nvPr/>
+          </p:nvSpPr>
+          <p:spPr>
+            <a:xfrm>
+              <a:off x="3858007" y="2727435"/>
+              <a:ext cx="480060" cy="306705"/>
+            </a:xfrm>
+            <a:prstGeom prst="rect">
+              <a:avLst/>
+            </a:prstGeom>
+            <a:noFill/>
+          </p:spPr>
+          <p:txBody>
+            <a:bodyPr wrap="none" rtlCol="0">
+              <a:spAutoFit/>
+            </a:bodyPr>
+            <a:p>
+              <a:r>
+                <a:rPr kumimoji="1" lang="en-US" altLang="zh-CN" sz="1400" dirty="0">
+                  <a:latin typeface="微软雅黑 Light" panose="020B0502040204020203" pitchFamily="34" charset="-122"/>
+                  <a:ea typeface="微软雅黑 Light" panose="020B0502040204020203" pitchFamily="34" charset="-122"/>
+                  <a:cs typeface="微软雅黑 Light" panose="020B0502040204020203" pitchFamily="34" charset="-122"/>
+                </a:rPr>
+                <a:t>SRS</a:t>
+              </a:r>
+              <a:endParaRPr kumimoji="1" lang="en-US" altLang="zh-CN" sz="1400" dirty="0">
+                <a:latin typeface="微软雅黑 Light" panose="020B0502040204020203" pitchFamily="34" charset="-122"/>
+                <a:ea typeface="微软雅黑 Light" panose="020B0502040204020203" pitchFamily="34" charset="-122"/>
+                <a:cs typeface="微软雅黑 Light" panose="020B0502040204020203" pitchFamily="34" charset="-122"/>
+              </a:endParaRPr>
+            </a:p>
+          </p:txBody>
+        </p:sp>
+      </p:grpSp>
+      <p:sp>
+        <p:nvSpPr>
+          <p:cNvPr id="18" name="文本框 6"/>
+          <p:cNvSpPr txBox="1"/>
+          <p:nvPr/>
+        </p:nvSpPr>
+        <p:spPr>
+          <a:xfrm>
+            <a:off x="10034664" y="5765841"/>
+            <a:ext cx="822325" cy="368300"/>
+          </a:xfrm>
+          <a:prstGeom prst="rect">
+            <a:avLst/>
+          </a:prstGeom>
+          <a:noFill/>
+        </p:spPr>
+        <p:txBody>
+          <a:bodyPr wrap="none" rtlCol="0">
+            <a:spAutoFit/>
+          </a:bodyPr>
+          <a:p>
+            <a:pPr algn="ctr"/>
+            <a:r>
+              <a:rPr kumimoji="1" lang="en-US" altLang="zh-CN" dirty="0">
+                <a:latin typeface="微软雅黑 Light" panose="020B0502040204020203" pitchFamily="34" charset="-122"/>
+                <a:ea typeface="微软雅黑 Light" panose="020B0502040204020203" pitchFamily="34" charset="-122"/>
+                <a:cs typeface="微软雅黑 Light" panose="020B0502040204020203" pitchFamily="34" charset="-122"/>
+              </a:rPr>
+              <a:t>V0.3.0</a:t>
+            </a:r>
+            <a:endParaRPr kumimoji="1" lang="zh-CN" altLang="en-US" dirty="0">
+              <a:latin typeface="微软雅黑 Light" panose="020B0502040204020203" pitchFamily="34" charset="-122"/>
+              <a:ea typeface="微软雅黑 Light" panose="020B0502040204020203" pitchFamily="34" charset="-122"/>
+              <a:cs typeface="微软雅黑 Light" panose="020B0502040204020203" pitchFamily="34" charset="-122"/>
+            </a:endParaRPr>
+          </a:p>
+        </p:txBody>
+      </p:sp>
+      <p:sp>
+        <p:nvSpPr>
+          <p:cNvPr id="20" name="文本框 13"/>
+          <p:cNvSpPr txBox="1"/>
+          <p:nvPr/>
+        </p:nvSpPr>
+        <p:spPr>
+          <a:xfrm>
+            <a:off x="9849668" y="6134408"/>
+            <a:ext cx="1191895" cy="368300"/>
+          </a:xfrm>
+          <a:prstGeom prst="rect">
+            <a:avLst/>
+          </a:prstGeom>
+          <a:noFill/>
+        </p:spPr>
+        <p:txBody>
+          <a:bodyPr wrap="none" rtlCol="0">
+            <a:spAutoFit/>
+          </a:bodyPr>
+          <a:p>
+            <a:r>
+              <a:rPr kumimoji="1" lang="en-US" altLang="zh-CN" dirty="0">
+                <a:latin typeface="微软雅黑 Light" panose="020B0502040204020203" pitchFamily="34" charset="-122"/>
+                <a:ea typeface="微软雅黑 Light" panose="020B0502040204020203" pitchFamily="34" charset="-122"/>
+                <a:cs typeface="微软雅黑 Light" panose="020B0502040204020203" pitchFamily="34" charset="-122"/>
+              </a:rPr>
+              <a:t>2020.11.16</a:t>
+            </a:r>
+            <a:endParaRPr kumimoji="1" lang="zh-CN" altLang="en-US" dirty="0">
+              <a:latin typeface="微软雅黑 Light" panose="020B0502040204020203" pitchFamily="34" charset="-122"/>
+              <a:ea typeface="微软雅黑 Light" panose="020B0502040204020203" pitchFamily="34" charset="-122"/>
+              <a:cs typeface="微软雅黑 Light" panose="020B0502040204020203" pitchFamily="34" charset="-122"/>
             </a:endParaRPr>
           </a:p>
         </p:txBody>
@@ -6452,6 +7005,71 @@
           </a:prstGeom>
         </p:spPr>
       </p:pic>
+      <p:pic>
+        <p:nvPicPr>
+          <p:cNvPr id="6" name="图片 5"/>
+          <p:cNvPicPr>
+            <a:picLocks noChangeAspect="1"/>
+          </p:cNvPicPr>
+          <p:nvPr/>
+        </p:nvPicPr>
+        <p:blipFill>
+          <a:blip r:embed="rId3" cstate="print">
+            <a:extLst>
+              <a:ext uri="{28A0092B-C50C-407E-A947-70E740481C1C}">
+                <a14:useLocalDpi xmlns:a14="http://schemas.microsoft.com/office/drawing/2010/main" val="0"/>
+              </a:ext>
+            </a:extLst>
+          </a:blip>
+          <a:stretch>
+            <a:fillRect/>
+          </a:stretch>
+        </p:blipFill>
+        <p:spPr>
+          <a:xfrm>
+            <a:off x="4066315" y="1211070"/>
+            <a:ext cx="4059242" cy="5646930"/>
+          </a:xfrm>
+          <a:prstGeom prst="rect">
+            <a:avLst/>
+          </a:prstGeom>
+        </p:spPr>
+      </p:pic>
+      <p:sp>
+        <p:nvSpPr>
+          <p:cNvPr id="7" name="文本框 6">
+            <a:hlinkClick r:id="rId4" action="ppaction://hlinkfile"/>
+          </p:cNvPr>
+          <p:cNvSpPr txBox="1"/>
+          <p:nvPr/>
+        </p:nvSpPr>
+        <p:spPr>
+          <a:xfrm>
+            <a:off x="9187468" y="6025308"/>
+            <a:ext cx="1834345" cy="369332"/>
+          </a:xfrm>
+          <a:prstGeom prst="rect">
+            <a:avLst/>
+          </a:prstGeom>
+          <a:noFill/>
+        </p:spPr>
+        <p:txBody>
+          <a:bodyPr wrap="square" rtlCol="0">
+            <a:spAutoFit/>
+          </a:bodyPr>
+          <a:lstStyle/>
+          <a:p>
+            <a:pPr algn="ctr"/>
+            <a:r>
+              <a:rPr lang="zh-CN" altLang="en-US" dirty="0">
+                <a:hlinkClick r:id="rId4" action="ppaction://hlinkfile"/>
+              </a:rPr>
+              <a:t>系统流程图</a:t>
+            </a:r>
+            <a:endParaRPr lang="zh-CN" altLang="en-US" dirty="0"/>
+          </a:p>
+        </p:txBody>
+      </p:sp>
     </p:spTree>
   </p:cSld>
   <p:clrMapOvr>
@@ -6545,7 +7163,7 @@
                 <a:latin typeface="宋体" panose="02010600030101010101" pitchFamily="2" charset="-122"/>
                 <a:ea typeface="宋体" panose="02010600030101010101" pitchFamily="2" charset="-122"/>
               </a:rPr>
-              <a:t>功能模块 </a:t>
+              <a:t>功能模块图 </a:t>
             </a:r>
             <a:endParaRPr lang="zh-CN" altLang="en-US" sz="2800" b="1" noProof="0" dirty="0">
               <a:ln>
@@ -6582,13 +7200,47 @@
         <p:spPr>
           <a:xfrm>
             <a:off x="2357755" y="1111250"/>
-            <a:ext cx="7476490" cy="5746750"/>
+            <a:ext cx="7142480" cy="5746750"/>
           </a:xfrm>
           <a:prstGeom prst="rect">
             <a:avLst/>
           </a:prstGeom>
         </p:spPr>
       </p:pic>
+      <p:sp>
+        <p:nvSpPr>
+          <p:cNvPr id="3" name="文本框 6">
+            <a:hlinkClick r:id="rId3" action="ppaction://hlinkfile"/>
+          </p:cNvPr>
+          <p:cNvSpPr txBox="1"/>
+          <p:nvPr/>
+        </p:nvSpPr>
+        <p:spPr>
+          <a:xfrm>
+            <a:off x="9187468" y="6025308"/>
+            <a:ext cx="1834345" cy="368300"/>
+          </a:xfrm>
+          <a:prstGeom prst="rect">
+            <a:avLst/>
+          </a:prstGeom>
+          <a:noFill/>
+        </p:spPr>
+        <p:txBody>
+          <a:bodyPr wrap="square" rtlCol="0">
+            <a:spAutoFit/>
+          </a:bodyPr>
+          <a:p>
+            <a:pPr algn="ctr"/>
+            <a:r>
+              <a:rPr lang="zh-CN" altLang="en-US" dirty="0">
+                <a:hlinkClick r:id="rId4" action="ppaction://hlinkfile"/>
+              </a:rPr>
+              <a:t>功能模块图</a:t>
+            </a:r>
+            <a:endParaRPr lang="zh-CN" altLang="en-US" dirty="0"/>
+          </a:p>
+        </p:txBody>
+      </p:sp>
     </p:spTree>
   </p:cSld>
   <p:clrMapOvr>
@@ -6750,6 +7402,71 @@
           </a:prstGeom>
         </p:spPr>
       </p:pic>
+      <p:pic>
+        <p:nvPicPr>
+          <p:cNvPr id="2" name="图片 1"/>
+          <p:cNvPicPr>
+            <a:picLocks noChangeAspect="1"/>
+          </p:cNvPicPr>
+          <p:nvPr/>
+        </p:nvPicPr>
+        <p:blipFill>
+          <a:blip r:embed="rId3"/>
+          <a:stretch>
+            <a:fillRect/>
+          </a:stretch>
+        </p:blipFill>
+        <p:spPr>
+          <a:xfrm>
+            <a:off x="1921557" y="1172210"/>
+            <a:ext cx="6143920" cy="5273183"/>
+          </a:xfrm>
+          <a:prstGeom prst="rect">
+            <a:avLst/>
+          </a:prstGeom>
+        </p:spPr>
+      </p:pic>
+      <p:sp>
+        <p:nvSpPr>
+          <p:cNvPr id="3" name="文本框 6">
+            <a:hlinkClick r:id="rId4" action="ppaction://hlinkfile"/>
+          </p:cNvPr>
+          <p:cNvSpPr txBox="1"/>
+          <p:nvPr/>
+        </p:nvSpPr>
+        <p:spPr>
+          <a:xfrm>
+            <a:off x="9187468" y="6025308"/>
+            <a:ext cx="1834345" cy="368300"/>
+          </a:xfrm>
+          <a:prstGeom prst="rect">
+            <a:avLst/>
+          </a:prstGeom>
+          <a:noFill/>
+        </p:spPr>
+        <p:txBody>
+          <a:bodyPr wrap="square" rtlCol="0">
+            <a:spAutoFit/>
+          </a:bodyPr>
+          <a:lstStyle/>
+          <a:p>
+            <a:pPr algn="ctr"/>
+            <a:r>
+              <a:rPr lang="en-US" altLang="zh-CN" dirty="0">
+                <a:hlinkClick r:id="rId5" action="ppaction://hlinkfile"/>
+              </a:rPr>
+              <a:t>IPO</a:t>
+            </a:r>
+            <a:r>
+              <a:rPr lang="zh-CN" altLang="en-US" dirty="0">
+                <a:hlinkClick r:id="rId5" action="ppaction://hlinkfile"/>
+              </a:rPr>
+              <a:t>图</a:t>
+            </a:r>
+            <a:endParaRPr lang="zh-CN" altLang="en-US" dirty="0"/>
+          </a:p>
+        </p:txBody>
+      </p:sp>
     </p:spTree>
   </p:cSld>
   <p:clrMapOvr>
@@ -7397,8 +8114,8 @@
         </p:nvSpPr>
         <p:spPr>
           <a:xfrm>
-            <a:off x="3832860" y="2661285"/>
-            <a:ext cx="6699885" cy="1753235"/>
+            <a:off x="3832860" y="2475230"/>
+            <a:ext cx="6699885" cy="2584450"/>
           </a:xfrm>
           <a:prstGeom prst="rect">
             <a:avLst/>
@@ -7409,12 +8126,22 @@
           <a:bodyPr wrap="square" rtlCol="0">
             <a:spAutoFit/>
           </a:bodyPr>
+          <a:lstStyle/>
           <a:p>
             <a:pPr algn="l">
               <a:lnSpc>
                 <a:spcPct val="150000"/>
               </a:lnSpc>
             </a:pPr>
+            <a:r>
+              <a:rPr kumimoji="1" lang="en-US" altLang="zh-CN" dirty="0">
+                <a:latin typeface="宋体" panose="02010600030101010101" pitchFamily="2" charset="-122"/>
+                <a:ea typeface="宋体" panose="02010600030101010101" pitchFamily="2" charset="-122"/>
+                <a:cs typeface="宋体" panose="02010600030101010101" pitchFamily="2" charset="-122"/>
+                <a:sym typeface="+mn-ea"/>
+              </a:rPr>
+              <a:t>    </a:t>
+            </a:r>
             <a:r>
               <a:rPr kumimoji="1" lang="zh-CN" altLang="en-US" dirty="0">
                 <a:latin typeface="宋体" panose="02010600030101010101" pitchFamily="2" charset="-122"/>
@@ -7473,13 +8200,67 @@
                 <a:cs typeface="宋体" panose="02010600030101010101" pitchFamily="2" charset="-122"/>
                 <a:sym typeface="+mn-ea"/>
               </a:rPr>
-              <a:t>）。我们将设计好的界面原型给典型用户看，得到了基本满意的反馈。</a:t>
-            </a:r>
-            <a:endParaRPr lang="en-US">
+              <a:t>）。</a:t>
+            </a:r>
+            <a:endParaRPr kumimoji="1" lang="zh-CN" altLang="en-US" dirty="0">
+              <a:latin typeface="宋体" panose="02010600030101010101" pitchFamily="2" charset="-122"/>
+              <a:ea typeface="宋体" panose="02010600030101010101" pitchFamily="2" charset="-122"/>
+              <a:cs typeface="宋体" panose="02010600030101010101" pitchFamily="2" charset="-122"/>
+              <a:sym typeface="+mn-ea"/>
+            </a:endParaRPr>
+          </a:p>
+          <a:p>
+            <a:pPr algn="l">
+              <a:lnSpc>
+                <a:spcPct val="150000"/>
+              </a:lnSpc>
+            </a:pPr>
+            <a:r>
+              <a:rPr kumimoji="1" lang="zh-CN" altLang="en-US" dirty="0">
+                <a:latin typeface="宋体" panose="02010600030101010101" pitchFamily="2" charset="-122"/>
+                <a:ea typeface="宋体" panose="02010600030101010101" pitchFamily="2" charset="-122"/>
+                <a:cs typeface="宋体" panose="02010600030101010101" pitchFamily="2" charset="-122"/>
+                <a:sym typeface="+mn-ea"/>
+              </a:rPr>
+              <a:t>    我们将设计好的界面原型给典型用户展示，得到了基本满意的反馈和一些宝贵意见。小组在讨论后又采纳部分意见，进而对界面设计进行了进一步的修改。</a:t>
+            </a:r>
+            <a:endParaRPr lang="en-US" dirty="0">
               <a:latin typeface="宋体" panose="02010600030101010101" pitchFamily="2" charset="-122"/>
               <a:ea typeface="宋体" panose="02010600030101010101" pitchFamily="2" charset="-122"/>
               <a:cs typeface="宋体" panose="02010600030101010101" pitchFamily="2" charset="-122"/>
             </a:endParaRPr>
+          </a:p>
+        </p:txBody>
+      </p:sp>
+      <p:sp>
+        <p:nvSpPr>
+          <p:cNvPr id="4" name="文本框 3"/>
+          <p:cNvSpPr txBox="1"/>
+          <p:nvPr/>
+        </p:nvSpPr>
+        <p:spPr>
+          <a:xfrm>
+            <a:off x="10245969" y="5258191"/>
+            <a:ext cx="1770185" cy="369332"/>
+          </a:xfrm>
+          <a:prstGeom prst="rect">
+            <a:avLst/>
+          </a:prstGeom>
+          <a:noFill/>
+        </p:spPr>
+        <p:txBody>
+          <a:bodyPr wrap="square" rtlCol="0">
+            <a:spAutoFit/>
+          </a:bodyPr>
+          <a:lstStyle/>
+          <a:p>
+            <a:r>
+              <a:rPr lang="zh-CN" altLang="en-US" dirty="0">
+                <a:hlinkClick r:id="rId3" action="ppaction://hlinkfile"/>
+              </a:rPr>
+              <a:t>页面原型</a:t>
+            </a:r>
+            <a:endParaRPr lang="zh-CN" altLang="en-US" dirty="0"/>
           </a:p>
         </p:txBody>
       </p:sp>
@@ -7561,23 +8342,17 @@
           <a:lstStyle/>
           <a:p>
             <a:r>
-              <a:rPr lang="zh-CN" altLang="en-US" sz="2800" b="1" noProof="0" dirty="0">
-                <a:ln>
-                  <a:noFill/>
-                </a:ln>
+              <a:rPr lang="zh-CN" altLang="en-US" sz="2800" b="1" dirty="0">
                 <a:solidFill>
                   <a:schemeClr val="tx1">
                     <a:lumMod val="75000"/>
                     <a:lumOff val="25000"/>
                   </a:schemeClr>
                 </a:solidFill>
-                <a:uLnTx/>
-                <a:uFillTx/>
                 <a:latin typeface="宋体" panose="02010600030101010101" pitchFamily="2" charset="-122"/>
                 <a:ea typeface="宋体" panose="02010600030101010101" pitchFamily="2" charset="-122"/>
-                <a:hlinkClick r:id="rId2" action="ppaction://hlinkfile"/>
               </a:rPr>
-              <a:t>首页</a:t>
+              <a:t>授权页面</a:t>
             </a:r>
             <a:endParaRPr lang="zh-CN" altLang="en-US" sz="2800" b="1" noProof="0" dirty="0">
               <a:ln>
@@ -7606,7 +8381,7 @@
           <p:nvPr/>
         </p:nvPicPr>
         <p:blipFill>
-          <a:blip r:embed="rId3" cstate="print">
+          <a:blip r:embed="rId2" cstate="print">
             <a:extLst>
               <a:ext uri="{28A0092B-C50C-407E-A947-70E740481C1C}">
                 <a14:useLocalDpi xmlns:a14="http://schemas.microsoft.com/office/drawing/2010/main" val="0"/>
@@ -7627,9 +8402,41 @@
           </a:prstGeom>
         </p:spPr>
       </p:pic>
+      <p:sp>
+        <p:nvSpPr>
+          <p:cNvPr id="4" name="文本框 3"/>
+          <p:cNvSpPr txBox="1"/>
+          <p:nvPr/>
+        </p:nvSpPr>
+        <p:spPr>
+          <a:xfrm>
+            <a:off x="9118600" y="5920136"/>
+            <a:ext cx="2396528" cy="369332"/>
+          </a:xfrm>
+          <a:prstGeom prst="rect">
+            <a:avLst/>
+          </a:prstGeom>
+          <a:noFill/>
+        </p:spPr>
+        <p:txBody>
+          <a:bodyPr wrap="square" rtlCol="0">
+            <a:spAutoFit/>
+          </a:bodyPr>
+          <a:lstStyle/>
+          <a:p>
+            <a:r>
+              <a:rPr lang="zh-CN" altLang="en-US" dirty="0">
+                <a:hlinkClick r:id="rId3" action="ppaction://hlinkfile"/>
+              </a:rPr>
+              <a:t>小程序授权登录页面</a:t>
+            </a:r>
+            <a:endParaRPr lang="zh-CN" altLang="en-US" dirty="0"/>
+          </a:p>
+        </p:txBody>
+      </p:sp>
       <p:pic>
         <p:nvPicPr>
-          <p:cNvPr id="2" name="Picture 1" descr="[WX0)S2W]R_E5F1EW7(%5MT"/>
+          <p:cNvPr id="2" name="图片 1"/>
           <p:cNvPicPr>
             <a:picLocks noChangeAspect="1"/>
           </p:cNvPicPr>
@@ -7643,8 +8450,8 @@
         </p:blipFill>
         <p:spPr>
           <a:xfrm>
-            <a:off x="3517265" y="650240"/>
-            <a:ext cx="4071620" cy="6011545"/>
+            <a:off x="4280158" y="230683"/>
+            <a:ext cx="3631683" cy="6396633"/>
           </a:xfrm>
           <a:prstGeom prst="rect">
             <a:avLst/>
@@ -7726,6 +8533,7 @@
           <a:bodyPr wrap="square" rtlCol="0">
             <a:spAutoFit/>
           </a:bodyPr>
+          <a:lstStyle/>
           <a:p>
             <a:r>
               <a:rPr lang="zh-CN" altLang="en-US" sz="2400" b="1" dirty="0">
@@ -7748,8 +8556,8 @@
           <p:nvPr/>
         </p:nvGraphicFramePr>
         <p:xfrm>
-          <a:off x="1829435" y="1554480"/>
-          <a:ext cx="8533765" cy="1905000"/>
+          <a:off x="1829435" y="1221740"/>
+          <a:ext cx="8533130" cy="4023360"/>
         </p:xfrm>
         <a:graphic>
           <a:graphicData uri="http://schemas.openxmlformats.org/drawingml/2006/table">
@@ -7765,6 +8573,7 @@
                 <a:tc>
                   <a:txBody>
                     <a:bodyPr/>
+                    <a:lstStyle/>
                     <a:p>
                       <a:pPr algn="ctr">
                         <a:buNone/>
@@ -7805,6 +8614,7 @@
                 <a:tc>
                   <a:txBody>
                     <a:bodyPr/>
+                    <a:lstStyle/>
                     <a:p>
                       <a:pPr algn="ctr">
                         <a:buNone/>
@@ -7838,6 +8648,7 @@
                 <a:tc>
                   <a:txBody>
                     <a:bodyPr/>
+                    <a:lstStyle/>
                     <a:p>
                       <a:pPr algn="ctr">
                         <a:buNone/>
@@ -7878,6 +8689,7 @@
                 <a:tc>
                   <a:txBody>
                     <a:bodyPr/>
+                    <a:lstStyle/>
                     <a:p>
                       <a:pPr algn="ctr">
                         <a:lnSpc>
@@ -7917,13 +8729,33 @@
                 <a:tc>
                   <a:txBody>
                     <a:bodyPr/>
+                    <a:lstStyle/>
                     <a:p>
                       <a:pPr algn="ctr">
                         <a:buNone/>
                       </a:pPr>
-                      <a:endParaRPr lang="en-US">
+                      <a:endParaRPr lang="en-US" sz="1800">
                         <a:latin typeface="宋体" panose="02010600030101010101" pitchFamily="2" charset="-122"/>
                         <a:ea typeface="宋体" panose="02010600030101010101" pitchFamily="2" charset="-122"/>
+                        <a:sym typeface="+mn-ea"/>
+                      </a:endParaRPr>
+                    </a:p>
+                    <a:p>
+                      <a:pPr algn="ctr">
+                        <a:buNone/>
+                      </a:pPr>
+                      <a:r>
+                        <a:rPr lang="en-US" sz="1800">
+                          <a:latin typeface="宋体" panose="02010600030101010101" pitchFamily="2" charset="-122"/>
+                          <a:ea typeface="宋体" panose="02010600030101010101" pitchFamily="2" charset="-122"/>
+                          <a:sym typeface="+mn-ea"/>
+                        </a:rPr>
+                        <a:t>2020.11.15 - 2020.11.16</a:t>
+                      </a:r>
+                      <a:endParaRPr lang="en-US" sz="1800">
+                        <a:latin typeface="宋体" panose="02010600030101010101" pitchFamily="2" charset="-122"/>
+                        <a:ea typeface="宋体" panose="02010600030101010101" pitchFamily="2" charset="-122"/>
+                        <a:sym typeface="+mn-ea"/>
                       </a:endParaRPr>
                     </a:p>
                     <a:p>
@@ -7941,11 +8773,29 @@
                 <a:tc>
                   <a:txBody>
                     <a:bodyPr/>
+                    <a:lstStyle/>
                     <a:p>
                       <a:pPr algn="ctr">
                         <a:buNone/>
                       </a:pPr>
                       <a:endParaRPr lang="en-US">
+                        <a:latin typeface="宋体" panose="02010600030101010101" pitchFamily="2" charset="-122"/>
+                        <a:ea typeface="宋体" panose="02010600030101010101" pitchFamily="2" charset="-122"/>
+                      </a:endParaRPr>
+                    </a:p>
+                    <a:p>
+                      <a:pPr algn="ctr">
+                        <a:buNone/>
+                      </a:pPr>
+                      <a:r>
+                        <a:rPr lang="en-US" sz="1800">
+                          <a:latin typeface="宋体" panose="02010600030101010101" pitchFamily="2" charset="-122"/>
+                          <a:ea typeface="宋体" panose="02010600030101010101" pitchFamily="2" charset="-122"/>
+                          <a:sym typeface="+mn-ea"/>
+                        </a:rPr>
+                        <a:t>V0.2.0</a:t>
+                      </a:r>
+                      <a:endParaRPr lang="en-US" sz="1800">
                         <a:latin typeface="宋体" panose="02010600030101010101" pitchFamily="2" charset="-122"/>
                         <a:ea typeface="宋体" panose="02010600030101010101" pitchFamily="2" charset="-122"/>
                       </a:endParaRPr>
@@ -7967,10 +8817,29 @@
                 <a:tc>
                   <a:txBody>
                     <a:bodyPr/>
+                    <a:lstStyle/>
                     <a:p>
                       <a:pPr algn="ctr">
                         <a:buNone/>
                       </a:pPr>
+                      <a:endParaRPr lang="en-US" sz="1800">
+                        <a:latin typeface="宋体" panose="02010600030101010101" pitchFamily="2" charset="-122"/>
+                        <a:ea typeface="宋体" panose="02010600030101010101" pitchFamily="2" charset="-122"/>
+                        <a:sym typeface="+mn-ea"/>
+                      </a:endParaRPr>
+                    </a:p>
+                    <a:p>
+                      <a:pPr algn="ctr">
+                        <a:buNone/>
+                      </a:pPr>
+                      <a:r>
+                        <a:rPr lang="en-US" sz="1800">
+                          <a:latin typeface="宋体" panose="02010600030101010101" pitchFamily="2" charset="-122"/>
+                          <a:ea typeface="宋体" panose="02010600030101010101" pitchFamily="2" charset="-122"/>
+                          <a:sym typeface="+mn-ea"/>
+                        </a:rPr>
+                        <a:t>2020.11.18 - 2020.11.19</a:t>
+                      </a:r>
                       <a:endParaRPr lang="en-US">
                         <a:latin typeface="宋体" panose="02010600030101010101" pitchFamily="2" charset="-122"/>
                         <a:ea typeface="宋体" panose="02010600030101010101" pitchFamily="2" charset="-122"/>
@@ -7991,60 +8860,29 @@
                 <a:tc>
                   <a:txBody>
                     <a:bodyPr/>
+                    <a:lstStyle/>
                     <a:p>
                       <a:pPr algn="ctr">
                         <a:buNone/>
                       </a:pPr>
-                      <a:endParaRPr lang="en-US">
+                      <a:endParaRPr lang="en-US" sz="1800">
                         <a:latin typeface="宋体" panose="02010600030101010101" pitchFamily="2" charset="-122"/>
                         <a:ea typeface="宋体" panose="02010600030101010101" pitchFamily="2" charset="-122"/>
+                        <a:sym typeface="+mn-ea"/>
                       </a:endParaRPr>
                     </a:p>
                     <a:p>
                       <a:pPr algn="ctr">
                         <a:buNone/>
                       </a:pPr>
-                      <a:endParaRPr lang="en-US">
-                        <a:latin typeface="宋体" panose="02010600030101010101" pitchFamily="2" charset="-122"/>
-                        <a:ea typeface="宋体" panose="02010600030101010101" pitchFamily="2" charset="-122"/>
-                      </a:endParaRPr>
-                    </a:p>
-                  </a:txBody>
-                  <a:tcPr/>
-                </a:tc>
-              </a:tr>
-              <a:tr h="381000">
-                <a:tc>
-                  <a:txBody>
-                    <a:bodyPr/>
-                    <a:p>
-                      <a:pPr algn="ctr">
-                        <a:buNone/>
-                      </a:pPr>
-                      <a:endParaRPr lang="en-US">
-                        <a:latin typeface="宋体" panose="02010600030101010101" pitchFamily="2" charset="-122"/>
-                        <a:ea typeface="宋体" panose="02010600030101010101" pitchFamily="2" charset="-122"/>
-                      </a:endParaRPr>
-                    </a:p>
-                    <a:p>
-                      <a:pPr algn="ctr">
-                        <a:buNone/>
-                      </a:pPr>
-                      <a:endParaRPr lang="en-US">
-                        <a:latin typeface="宋体" panose="02010600030101010101" pitchFamily="2" charset="-122"/>
-                        <a:ea typeface="宋体" panose="02010600030101010101" pitchFamily="2" charset="-122"/>
-                      </a:endParaRPr>
-                    </a:p>
-                  </a:txBody>
-                  <a:tcPr/>
-                </a:tc>
-                <a:tc>
-                  <a:txBody>
-                    <a:bodyPr/>
-                    <a:p>
-                      <a:pPr algn="ctr">
-                        <a:buNone/>
-                      </a:pPr>
+                      <a:r>
+                        <a:rPr lang="en-US" sz="1800">
+                          <a:latin typeface="宋体" panose="02010600030101010101" pitchFamily="2" charset="-122"/>
+                          <a:ea typeface="宋体" panose="02010600030101010101" pitchFamily="2" charset="-122"/>
+                          <a:sym typeface="+mn-ea"/>
+                        </a:rPr>
+                        <a:t>V0.2.1</a:t>
+                      </a:r>
                       <a:endParaRPr lang="en-US">
                         <a:latin typeface="宋体" panose="02010600030101010101" pitchFamily="2" charset="-122"/>
                         <a:ea typeface="宋体" panose="02010600030101010101" pitchFamily="2" charset="-122"/>
@@ -8067,6 +8905,181 @@
           </a:graphicData>
         </a:graphic>
       </p:graphicFrame>
+      <p:sp>
+        <p:nvSpPr>
+          <p:cNvPr id="4" name="Text Box 3"/>
+          <p:cNvSpPr txBox="1"/>
+          <p:nvPr/>
+        </p:nvSpPr>
+        <p:spPr>
+          <a:xfrm>
+            <a:off x="1526540" y="5046980"/>
+            <a:ext cx="9139555" cy="1476375"/>
+          </a:xfrm>
+          <a:prstGeom prst="rect">
+            <a:avLst/>
+          </a:prstGeom>
+          <a:noFill/>
+        </p:spPr>
+        <p:txBody>
+          <a:bodyPr wrap="square" rtlCol="0">
+            <a:spAutoFit/>
+          </a:bodyPr>
+          <a:p>
+            <a:pPr algn="ctr"/>
+            <a:r>
+              <a:rPr lang="zh-CN" altLang="en-US" b="1">
+                <a:latin typeface="宋体" panose="02010600030101010101" pitchFamily="2" charset="-122"/>
+                <a:ea typeface="宋体" panose="02010600030101010101" pitchFamily="2" charset="-122"/>
+                <a:cs typeface="宋体" panose="02010600030101010101" pitchFamily="2" charset="-122"/>
+              </a:rPr>
+              <a:t>版本变动规则</a:t>
+            </a:r>
+            <a:endParaRPr lang="zh-CN" altLang="en-US" b="1">
+              <a:latin typeface="宋体" panose="02010600030101010101" pitchFamily="2" charset="-122"/>
+              <a:ea typeface="宋体" panose="02010600030101010101" pitchFamily="2" charset="-122"/>
+              <a:cs typeface="宋体" panose="02010600030101010101" pitchFamily="2" charset="-122"/>
+            </a:endParaRPr>
+          </a:p>
+          <a:p>
+            <a:r>
+              <a:rPr lang="zh-CN" altLang="en-US">
+                <a:latin typeface="宋体" panose="02010600030101010101" pitchFamily="2" charset="-122"/>
+                <a:ea typeface="宋体" panose="02010600030101010101" pitchFamily="2" charset="-122"/>
+                <a:cs typeface="宋体" panose="02010600030101010101" pitchFamily="2" charset="-122"/>
+              </a:rPr>
+              <a:t>版本号：</a:t>
+            </a:r>
+            <a:r>
+              <a:rPr lang="en-US">
+                <a:latin typeface="宋体" panose="02010600030101010101" pitchFamily="2" charset="-122"/>
+                <a:ea typeface="宋体" panose="02010600030101010101" pitchFamily="2" charset="-122"/>
+                <a:cs typeface="宋体" panose="02010600030101010101" pitchFamily="2" charset="-122"/>
+                <a:sym typeface="+mn-ea"/>
+              </a:rPr>
+              <a:t>主版本号 . 子版本号 . </a:t>
+            </a:r>
+            <a:r>
+              <a:rPr lang="zh-CN" altLang="en-US">
+                <a:latin typeface="宋体" panose="02010600030101010101" pitchFamily="2" charset="-122"/>
+                <a:ea typeface="宋体" panose="02010600030101010101" pitchFamily="2" charset="-122"/>
+                <a:cs typeface="宋体" panose="02010600030101010101" pitchFamily="2" charset="-122"/>
+                <a:sym typeface="+mn-ea"/>
+              </a:rPr>
+              <a:t>阶段版本号</a:t>
+            </a:r>
+            <a:endParaRPr lang="zh-CN" altLang="en-US">
+              <a:latin typeface="宋体" panose="02010600030101010101" pitchFamily="2" charset="-122"/>
+              <a:ea typeface="宋体" panose="02010600030101010101" pitchFamily="2" charset="-122"/>
+              <a:cs typeface="宋体" panose="02010600030101010101" pitchFamily="2" charset="-122"/>
+              <a:sym typeface="+mn-ea"/>
+            </a:endParaRPr>
+          </a:p>
+          <a:p>
+            <a:r>
+              <a:rPr lang="zh-CN" altLang="en-US" dirty="0">
+                <a:latin typeface="宋体" panose="02010600030101010101" pitchFamily="2" charset="-122"/>
+                <a:ea typeface="宋体" panose="02010600030101010101" pitchFamily="2" charset="-122"/>
+                <a:cs typeface="宋体" panose="02010600030101010101" pitchFamily="2" charset="-122"/>
+                <a:sym typeface="+mn-ea"/>
+              </a:rPr>
+              <a:t>改动较大（如模块改动）子版本号</a:t>
+            </a:r>
+            <a:r>
+              <a:rPr lang="en-US" altLang="zh-CN" dirty="0">
+                <a:latin typeface="宋体" panose="02010600030101010101" pitchFamily="2" charset="-122"/>
+                <a:ea typeface="宋体" panose="02010600030101010101" pitchFamily="2" charset="-122"/>
+                <a:cs typeface="宋体" panose="02010600030101010101" pitchFamily="2" charset="-122"/>
+                <a:sym typeface="+mn-ea"/>
+              </a:rPr>
+              <a:t>+1</a:t>
+            </a:r>
+            <a:r>
+              <a:rPr lang="zh-CN" altLang="en-US" dirty="0">
+                <a:latin typeface="宋体" panose="02010600030101010101" pitchFamily="2" charset="-122"/>
+                <a:ea typeface="宋体" panose="02010600030101010101" pitchFamily="2" charset="-122"/>
+                <a:cs typeface="宋体" panose="02010600030101010101" pitchFamily="2" charset="-122"/>
+                <a:sym typeface="+mn-ea"/>
+              </a:rPr>
+              <a:t>，改动较小（如只改动内容）阶段版本号</a:t>
+            </a:r>
+            <a:r>
+              <a:rPr lang="en-US" altLang="zh-CN" dirty="0">
+                <a:latin typeface="宋体" panose="02010600030101010101" pitchFamily="2" charset="-122"/>
+                <a:ea typeface="宋体" panose="02010600030101010101" pitchFamily="2" charset="-122"/>
+                <a:cs typeface="宋体" panose="02010600030101010101" pitchFamily="2" charset="-122"/>
+                <a:sym typeface="+mn-ea"/>
+              </a:rPr>
+              <a:t>+1</a:t>
+            </a:r>
+            <a:endParaRPr lang="en-US" altLang="zh-CN" dirty="0">
+              <a:latin typeface="宋体" panose="02010600030101010101" pitchFamily="2" charset="-122"/>
+              <a:ea typeface="宋体" panose="02010600030101010101" pitchFamily="2" charset="-122"/>
+              <a:cs typeface="宋体" panose="02010600030101010101" pitchFamily="2" charset="-122"/>
+            </a:endParaRPr>
+          </a:p>
+          <a:p>
+            <a:r>
+              <a:rPr lang="zh-CN" altLang="en-US" dirty="0">
+                <a:latin typeface="宋体" panose="02010600030101010101" pitchFamily="2" charset="-122"/>
+                <a:ea typeface="宋体" panose="02010600030101010101" pitchFamily="2" charset="-122"/>
+                <a:cs typeface="宋体" panose="02010600030101010101" pitchFamily="2" charset="-122"/>
+                <a:sym typeface="+mn-ea"/>
+              </a:rPr>
+              <a:t>最初版本为</a:t>
+            </a:r>
+            <a:r>
+              <a:rPr lang="en-US" altLang="zh-CN" dirty="0">
+                <a:latin typeface="宋体" panose="02010600030101010101" pitchFamily="2" charset="-122"/>
+                <a:ea typeface="宋体" panose="02010600030101010101" pitchFamily="2" charset="-122"/>
+                <a:cs typeface="宋体" panose="02010600030101010101" pitchFamily="2" charset="-122"/>
+                <a:sym typeface="+mn-ea"/>
+              </a:rPr>
+              <a:t>0.1.0</a:t>
+            </a:r>
+            <a:r>
+              <a:rPr lang="zh-CN" altLang="en-US" dirty="0">
+                <a:latin typeface="宋体" panose="02010600030101010101" pitchFamily="2" charset="-122"/>
+                <a:ea typeface="宋体" panose="02010600030101010101" pitchFamily="2" charset="-122"/>
+                <a:cs typeface="宋体" panose="02010600030101010101" pitchFamily="2" charset="-122"/>
+                <a:sym typeface="+mn-ea"/>
+              </a:rPr>
+              <a:t>，</a:t>
+            </a:r>
+            <a:r>
+              <a:rPr lang="zh-CN" altLang="en-US" dirty="0">
+                <a:latin typeface="宋体" panose="02010600030101010101" pitchFamily="2" charset="-122"/>
+                <a:ea typeface="宋体" panose="02010600030101010101" pitchFamily="2" charset="-122"/>
+                <a:cs typeface="宋体" panose="02010600030101010101" pitchFamily="2" charset="-122"/>
+                <a:sym typeface="+mn-ea"/>
+              </a:rPr>
+              <a:t>最后确定版本为</a:t>
+            </a:r>
+            <a:r>
+              <a:rPr lang="en-US" altLang="zh-CN" dirty="0">
+                <a:latin typeface="宋体" panose="02010600030101010101" pitchFamily="2" charset="-122"/>
+                <a:ea typeface="宋体" panose="02010600030101010101" pitchFamily="2" charset="-122"/>
+                <a:cs typeface="宋体" panose="02010600030101010101" pitchFamily="2" charset="-122"/>
+                <a:sym typeface="+mn-ea"/>
+              </a:rPr>
+              <a:t>1.0.0</a:t>
+            </a:r>
+            <a:endParaRPr lang="en-US" altLang="zh-CN" dirty="0">
+              <a:latin typeface="宋体" panose="02010600030101010101" pitchFamily="2" charset="-122"/>
+              <a:ea typeface="宋体" panose="02010600030101010101" pitchFamily="2" charset="-122"/>
+              <a:cs typeface="宋体" panose="02010600030101010101" pitchFamily="2" charset="-122"/>
+            </a:endParaRPr>
+          </a:p>
+          <a:p>
+            <a:endParaRPr lang="zh-CN" altLang="en-US" dirty="0">
+              <a:latin typeface="宋体" panose="02010600030101010101" pitchFamily="2" charset="-122"/>
+              <a:ea typeface="宋体" panose="02010600030101010101" pitchFamily="2" charset="-122"/>
+              <a:cs typeface="宋体" panose="02010600030101010101" pitchFamily="2" charset="-122"/>
+              <a:sym typeface="+mn-ea"/>
+            </a:endParaRPr>
+          </a:p>
+        </p:txBody>
+      </p:sp>
     </p:spTree>
   </p:cSld>
   <p:clrMapOvr>
@@ -8159,9 +9172,8 @@
                 <a:uFillTx/>
                 <a:latin typeface="宋体" panose="02010600030101010101" pitchFamily="2" charset="-122"/>
                 <a:ea typeface="宋体" panose="02010600030101010101" pitchFamily="2" charset="-122"/>
-                <a:hlinkClick r:id="rId2" action="ppaction://hlinkfile"/>
               </a:rPr>
-              <a:t>我的</a:t>
+              <a:t>我的地图</a:t>
             </a:r>
             <a:endParaRPr lang="zh-CN" altLang="en-US" sz="2800" b="1" noProof="0" dirty="0">
               <a:ln>
@@ -8190,7 +9202,7 @@
           <p:nvPr/>
         </p:nvPicPr>
         <p:blipFill>
-          <a:blip r:embed="rId3" cstate="print">
+          <a:blip r:embed="rId2" cstate="print">
             <a:extLst>
               <a:ext uri="{28A0092B-C50C-407E-A947-70E740481C1C}">
                 <a14:useLocalDpi xmlns:a14="http://schemas.microsoft.com/office/drawing/2010/main" val="0"/>
@@ -8213,28 +9225,68 @@
       </p:pic>
       <p:pic>
         <p:nvPicPr>
-          <p:cNvPr id="3" name="Picture 2" descr="J95ZUD1RZOTD9LO1AHOJP$9"/>
+          <p:cNvPr id="3" name="图片 2"/>
           <p:cNvPicPr>
             <a:picLocks noChangeAspect="1"/>
           </p:cNvPicPr>
           <p:nvPr/>
         </p:nvPicPr>
         <p:blipFill>
-          <a:blip r:embed="rId4"/>
+          <a:blip r:embed="rId3"/>
           <a:stretch>
             <a:fillRect/>
           </a:stretch>
         </p:blipFill>
         <p:spPr>
           <a:xfrm>
-            <a:off x="3505835" y="650240"/>
-            <a:ext cx="3994150" cy="6002020"/>
+            <a:off x="4383995" y="166501"/>
+            <a:ext cx="3424009" cy="6524998"/>
           </a:xfrm>
           <a:prstGeom prst="rect">
             <a:avLst/>
           </a:prstGeom>
         </p:spPr>
       </p:pic>
+      <p:sp>
+        <p:nvSpPr>
+          <p:cNvPr id="4" name="文本框 3"/>
+          <p:cNvSpPr txBox="1"/>
+          <p:nvPr/>
+        </p:nvSpPr>
+        <p:spPr>
+          <a:xfrm>
+            <a:off x="8950886" y="6139715"/>
+            <a:ext cx="2848708" cy="369332"/>
+          </a:xfrm>
+          <a:prstGeom prst="rect">
+            <a:avLst/>
+          </a:prstGeom>
+          <a:noFill/>
+        </p:spPr>
+        <p:txBody>
+          <a:bodyPr wrap="square" rtlCol="0">
+            <a:spAutoFit/>
+          </a:bodyPr>
+          <a:lstStyle/>
+          <a:p>
+            <a:r>
+              <a:rPr lang="zh-CN" altLang="en-US" dirty="0"/>
+              <a:t>小程序首页</a:t>
+            </a:r>
+            <a:r>
+              <a:rPr lang="en-US" altLang="zh-CN" dirty="0"/>
+              <a:t>——</a:t>
+            </a:r>
+            <a:r>
+              <a:rPr lang="zh-CN" altLang="en-US" dirty="0">
+                <a:hlinkClick r:id="rId4" action="ppaction://hlinkfile"/>
+              </a:rPr>
+              <a:t>我的地图</a:t>
+            </a:r>
+            <a:endParaRPr lang="zh-CN" altLang="en-US" dirty="0"/>
+          </a:p>
+        </p:txBody>
+      </p:sp>
     </p:spTree>
   </p:cSld>
   <p:clrMapOvr>
@@ -8327,9 +9379,8 @@
                 <a:uFillTx/>
                 <a:latin typeface="宋体" panose="02010600030101010101" pitchFamily="2" charset="-122"/>
                 <a:ea typeface="宋体" panose="02010600030101010101" pitchFamily="2" charset="-122"/>
-                <a:hlinkClick r:id="rId2" action="ppaction://hlinkfile"/>
               </a:rPr>
-              <a:t>新建打卡</a:t>
+              <a:t>我的信息</a:t>
             </a:r>
             <a:endParaRPr lang="zh-CN" altLang="en-US" sz="2800" b="1" noProof="0" dirty="0">
               <a:ln>
@@ -8358,7 +9409,7 @@
           <p:nvPr/>
         </p:nvPicPr>
         <p:blipFill>
-          <a:blip r:embed="rId3" cstate="print">
+          <a:blip r:embed="rId2" cstate="print">
             <a:extLst>
               <a:ext uri="{28A0092B-C50C-407E-A947-70E740481C1C}">
                 <a14:useLocalDpi xmlns:a14="http://schemas.microsoft.com/office/drawing/2010/main" val="0"/>
@@ -8381,28 +9432,60 @@
       </p:pic>
       <p:pic>
         <p:nvPicPr>
-          <p:cNvPr id="3" name="Picture 2" descr="S]UOE)`())]P$({W33LD$)G"/>
+          <p:cNvPr id="2" name="图片 1"/>
           <p:cNvPicPr>
             <a:picLocks noChangeAspect="1"/>
           </p:cNvPicPr>
           <p:nvPr/>
         </p:nvPicPr>
         <p:blipFill>
-          <a:blip r:embed="rId4"/>
+          <a:blip r:embed="rId3"/>
           <a:stretch>
             <a:fillRect/>
           </a:stretch>
         </p:blipFill>
         <p:spPr>
           <a:xfrm>
-            <a:off x="3506470" y="579120"/>
-            <a:ext cx="4217670" cy="6062980"/>
+            <a:off x="4470987" y="325120"/>
+            <a:ext cx="3250026" cy="6207760"/>
           </a:xfrm>
           <a:prstGeom prst="rect">
             <a:avLst/>
           </a:prstGeom>
         </p:spPr>
       </p:pic>
+      <p:sp>
+        <p:nvSpPr>
+          <p:cNvPr id="4" name="文本框 3"/>
+          <p:cNvSpPr txBox="1"/>
+          <p:nvPr/>
+        </p:nvSpPr>
+        <p:spPr>
+          <a:xfrm>
+            <a:off x="9835662" y="6025308"/>
+            <a:ext cx="1922584" cy="369332"/>
+          </a:xfrm>
+          <a:prstGeom prst="rect">
+            <a:avLst/>
+          </a:prstGeom>
+          <a:noFill/>
+        </p:spPr>
+        <p:txBody>
+          <a:bodyPr wrap="square" rtlCol="0">
+            <a:spAutoFit/>
+          </a:bodyPr>
+          <a:lstStyle/>
+          <a:p>
+            <a:r>
+              <a:rPr lang="zh-CN" altLang="en-US" dirty="0">
+                <a:hlinkClick r:id="rId4" action="ppaction://hlinkfile"/>
+              </a:rPr>
+              <a:t>我的信息</a:t>
+            </a:r>
+            <a:endParaRPr lang="zh-CN" altLang="en-US" dirty="0"/>
+          </a:p>
+        </p:txBody>
+      </p:sp>
     </p:spTree>
   </p:cSld>
   <p:clrMapOvr>
@@ -9009,6 +10092,44 @@
           </a:prstGeom>
         </p:spPr>
       </p:pic>
+      <p:sp>
+        <p:nvSpPr>
+          <p:cNvPr id="3" name="文本框 2"/>
+          <p:cNvSpPr txBox="1"/>
+          <p:nvPr/>
+        </p:nvSpPr>
+        <p:spPr>
+          <a:xfrm>
+            <a:off x="10808970" y="6488137"/>
+            <a:ext cx="1383323" cy="369332"/>
+          </a:xfrm>
+          <a:prstGeom prst="rect">
+            <a:avLst/>
+          </a:prstGeom>
+          <a:noFill/>
+        </p:spPr>
+        <p:txBody>
+          <a:bodyPr wrap="square" rtlCol="0">
+            <a:spAutoFit/>
+          </a:bodyPr>
+          <a:lstStyle/>
+          <a:p>
+            <a:r>
+              <a:rPr lang="en-US" altLang="zh-CN" dirty="0">
+                <a:hlinkClick r:id="rId3" action="ppaction://hlinkfile"/>
+              </a:rPr>
+              <a:t>ER</a:t>
+            </a:r>
+            <a:r>
+              <a:rPr lang="zh-CN" altLang="en-US" dirty="0">
+                <a:hlinkClick r:id="rId3" action="ppaction://hlinkfile"/>
+              </a:rPr>
+              <a:t>图</a:t>
+            </a:r>
+            <a:endParaRPr lang="zh-CN" altLang="en-US" dirty="0"/>
+          </a:p>
+        </p:txBody>
+      </p:sp>
     </p:spTree>
   </p:cSld>
   <p:clrMapOvr>
@@ -9101,7 +10222,6 @@
                 <a:uFillTx/>
                 <a:latin typeface="宋体" panose="02010600030101010101" pitchFamily="2" charset="-122"/>
                 <a:ea typeface="宋体" panose="02010600030101010101" pitchFamily="2" charset="-122"/>
-                <a:hlinkClick r:id="rId2" action="ppaction://hlinkfile"/>
               </a:rPr>
               <a:t>数据字典</a:t>
             </a:r>
@@ -9132,7 +10252,7 @@
           <p:nvPr/>
         </p:nvPicPr>
         <p:blipFill>
-          <a:blip r:embed="rId3"/>
+          <a:blip r:embed="rId2"/>
           <a:stretch>
             <a:fillRect/>
           </a:stretch>
@@ -9140,13 +10260,44 @@
         <p:spPr>
           <a:xfrm>
             <a:off x="2571750" y="1172210"/>
-            <a:ext cx="7048500" cy="5685790"/>
+            <a:ext cx="6546850" cy="5281126"/>
           </a:xfrm>
           <a:prstGeom prst="rect">
             <a:avLst/>
           </a:prstGeom>
         </p:spPr>
       </p:pic>
+      <p:sp>
+        <p:nvSpPr>
+          <p:cNvPr id="4" name="文本框 2"/>
+          <p:cNvSpPr txBox="1"/>
+          <p:nvPr/>
+        </p:nvSpPr>
+        <p:spPr>
+          <a:xfrm>
+            <a:off x="10808970" y="6488137"/>
+            <a:ext cx="1383323" cy="368300"/>
+          </a:xfrm>
+          <a:prstGeom prst="rect">
+            <a:avLst/>
+          </a:prstGeom>
+          <a:noFill/>
+        </p:spPr>
+        <p:txBody>
+          <a:bodyPr wrap="square" rtlCol="0">
+            <a:spAutoFit/>
+          </a:bodyPr>
+          <a:p>
+            <a:r>
+              <a:rPr lang="zh-CN" altLang="en-US" dirty="0">
+                <a:hlinkClick r:id="rId3" action="ppaction://hlinkfile"/>
+              </a:rPr>
+              <a:t>数据字典</a:t>
+            </a:r>
+            <a:endParaRPr lang="zh-CN" altLang="en-US" dirty="0"/>
+          </a:p>
+        </p:txBody>
+      </p:sp>
     </p:spTree>
   </p:cSld>
   <p:clrMapOvr>
@@ -9683,7 +10834,7 @@
         </p:nvSpPr>
         <p:spPr>
           <a:xfrm>
-            <a:off x="7432523" y="3782259"/>
+            <a:off x="1881353" y="6256219"/>
             <a:ext cx="2743200" cy="368300"/>
           </a:xfrm>
           <a:prstGeom prst="rect">
@@ -9700,7 +10851,7 @@
             <a:pPr algn="ctr"/>
             <a:r>
               <a:rPr lang="zh-CN" altLang="en-US" dirty="0">
-                <a:hlinkClick r:id="rId2" action="ppaction://hlinkfile"/>
+                <a:hlinkClick r:id="rId2" tooltip="" action="ppaction://hlinkfile"/>
               </a:rPr>
               <a:t>会议纪要</a:t>
             </a:r>
@@ -9716,8 +10867,8 @@
         </p:nvSpPr>
         <p:spPr>
           <a:xfrm>
-            <a:off x="6371771" y="3244386"/>
-            <a:ext cx="4865427" cy="368300"/>
+            <a:off x="6453051" y="5560866"/>
+            <a:ext cx="4865427" cy="922020"/>
           </a:xfrm>
           <a:prstGeom prst="rect">
             <a:avLst/>
@@ -9730,14 +10881,26 @@
           </a:bodyPr>
           <a:lstStyle/>
           <a:p>
-            <a:pPr algn="ctr"/>
+            <a:pPr algn="l"/>
             <a:r>
               <a:rPr lang="zh-CN" altLang="en-US" dirty="0"/>
-              <a:t>每次会议均保存电子稿和录音并上传</a:t>
+              <a:t>前三周每周一次会议，以后每周两次会议，截止今日共</a:t>
+            </a:r>
+            <a:r>
+              <a:rPr lang="en-US" altLang="zh-CN" dirty="0"/>
+              <a:t>12</a:t>
+            </a:r>
+            <a:r>
+              <a:rPr lang="zh-CN" altLang="en-US" dirty="0"/>
+              <a:t>次会议。每次会议均保存电子稿和录音，并将会议记录上传至</a:t>
             </a:r>
             <a:r>
               <a:rPr lang="en-US" altLang="zh-CN" dirty="0"/>
               <a:t>Git</a:t>
+            </a:r>
+            <a:r>
+              <a:rPr lang="zh-CN" altLang="en-US" dirty="0"/>
+              <a:t>。</a:t>
             </a:r>
             <a:endParaRPr lang="zh-CN" altLang="en-US" dirty="0"/>
           </a:p>
@@ -9745,7 +10908,7 @@
       </p:sp>
       <p:pic>
         <p:nvPicPr>
-          <p:cNvPr id="2" name="Picture 1"/>
+          <p:cNvPr id="3" name="Picture 2"/>
           <p:cNvPicPr>
             <a:picLocks noChangeAspect="1"/>
           </p:cNvPicPr>
@@ -9759,8 +10922,32 @@
         </p:blipFill>
         <p:spPr>
           <a:xfrm>
-            <a:off x="1385570" y="814070"/>
-            <a:ext cx="4465320" cy="6043295"/>
+            <a:off x="1355725" y="814070"/>
+            <a:ext cx="3794760" cy="5250180"/>
+          </a:xfrm>
+          <a:prstGeom prst="rect">
+            <a:avLst/>
+          </a:prstGeom>
+        </p:spPr>
+      </p:pic>
+      <p:pic>
+        <p:nvPicPr>
+          <p:cNvPr id="4" name="Picture 3"/>
+          <p:cNvPicPr>
+            <a:picLocks noChangeAspect="1"/>
+          </p:cNvPicPr>
+          <p:nvPr/>
+        </p:nvPicPr>
+        <p:blipFill>
+          <a:blip r:embed="rId4"/>
+          <a:stretch>
+            <a:fillRect/>
+          </a:stretch>
+        </p:blipFill>
+        <p:spPr>
+          <a:xfrm>
+            <a:off x="7232015" y="814070"/>
+            <a:ext cx="3307080" cy="4587240"/>
           </a:xfrm>
           <a:prstGeom prst="rect">
             <a:avLst/>
@@ -9882,7 +11069,7 @@
               <a:t>绩效评价</a:t>
             </a:r>
             <a:endParaRPr lang="zh-CN" altLang="en-US" dirty="0">
-              <a:hlinkClick r:id="rId2" action="ppaction://hlinkfile"/>
+              <a:hlinkClick r:id="rId3" action="ppaction://hlinkfile"/>
             </a:endParaRPr>
           </a:p>
         </p:txBody>
@@ -9896,7 +11083,7 @@
         <p:spPr>
           <a:xfrm>
             <a:off x="9174480" y="2275205"/>
-            <a:ext cx="2660015" cy="1753235"/>
+            <a:ext cx="2811145" cy="1753235"/>
           </a:xfrm>
           <a:prstGeom prst="rect">
             <a:avLst/>
@@ -9907,21 +11094,40 @@
           <a:bodyPr wrap="square" rtlCol="0">
             <a:spAutoFit/>
           </a:bodyPr>
-          <a:p>
+          <a:lstStyle/>
+          <a:p>
+            <a:pPr algn="ctr"/>
             <a:r>
               <a:rPr lang="zh-CN" altLang="en-US"/>
-              <a:t>评分规则：</a:t>
+              <a:t>评分规则</a:t>
             </a:r>
             <a:endParaRPr lang="zh-CN" altLang="en-US"/>
           </a:p>
           <a:p>
+            <a:pPr algn="l"/>
+            <a:r>
+              <a:rPr lang="en-US" altLang="zh-CN"/>
+              <a:t>1.</a:t>
+            </a:r>
             <a:r>
               <a:rPr lang="zh-CN" altLang="en-US"/>
-              <a:t>         每人每个空格算做</a:t>
-            </a:r>
+              <a:t>组长打分。</a:t>
+            </a:r>
+            <a:endParaRPr lang="zh-CN" altLang="en-US"/>
+          </a:p>
+          <a:p>
+            <a:pPr algn="l"/>
             <a:r>
               <a:rPr lang="en-US" altLang="zh-CN"/>
-              <a:t>10</a:t>
+              <a:t>2.</a:t>
+            </a:r>
+            <a:r>
+              <a:rPr lang="zh-CN" altLang="en-US"/>
+              <a:t>每人每个空格算做</a:t>
+            </a:r>
+            <a:r>
+              <a:rPr lang="en-US" altLang="zh-CN"/>
+              <a:t>1</a:t>
             </a:r>
             <a:r>
               <a:rPr lang="zh-CN" altLang="en-US"/>
@@ -9929,7 +11135,7 @@
             </a:r>
             <a:r>
               <a:rPr lang="en-US" altLang="zh-CN"/>
-              <a:t>1-10</a:t>
+              <a:t>0-1</a:t>
             </a:r>
             <a:r>
               <a:rPr lang="zh-CN" altLang="en-US"/>
@@ -9938,9 +11144,14 @@
             <a:endParaRPr lang="zh-CN" altLang="en-US"/>
           </a:p>
           <a:p>
+            <a:pPr algn="l"/>
+            <a:r>
+              <a:rPr lang="en-US" altLang="zh-CN"/>
+              <a:t>3.</a:t>
+            </a:r>
             <a:r>
               <a:rPr lang="zh-CN" altLang="en-US"/>
-              <a:t>         最后算出打分并转换成百分制。</a:t>
+              <a:t>最后算出总打分并转换成百分制。</a:t>
             </a:r>
             <a:endParaRPr lang="zh-CN" altLang="en-US"/>
           </a:p>
@@ -9948,22 +11159,22 @@
       </p:sp>
       <p:pic>
         <p:nvPicPr>
-          <p:cNvPr id="3" name="Picture 2" descr="6YFI6S76}5S5SRT9WS((T)H"/>
+          <p:cNvPr id="3" name="Picture 2"/>
           <p:cNvPicPr>
             <a:picLocks noChangeAspect="1"/>
           </p:cNvPicPr>
           <p:nvPr/>
         </p:nvPicPr>
         <p:blipFill>
-          <a:blip r:embed="rId3"/>
+          <a:blip r:embed="rId4"/>
           <a:stretch>
             <a:fillRect/>
           </a:stretch>
         </p:blipFill>
         <p:spPr>
           <a:xfrm>
-            <a:off x="758825" y="1617345"/>
-            <a:ext cx="8077200" cy="4248150"/>
+            <a:off x="0" y="1135380"/>
+            <a:ext cx="9044940" cy="5318760"/>
           </a:xfrm>
           <a:prstGeom prst="rect">
             <a:avLst/>
@@ -9995,46 +11206,6 @@
           <a:chExt cx="0" cy="0"/>
         </a:xfrm>
       </p:grpSpPr>
-      <p:sp>
-        <p:nvSpPr>
-          <p:cNvPr id="5" name="文本框 4"/>
-          <p:cNvSpPr txBox="1"/>
-          <p:nvPr/>
-        </p:nvSpPr>
-        <p:spPr>
-          <a:xfrm>
-            <a:off x="975618" y="1398894"/>
-            <a:ext cx="10592577" cy="506730"/>
-          </a:xfrm>
-          <a:prstGeom prst="rect">
-            <a:avLst/>
-          </a:prstGeom>
-          <a:noFill/>
-        </p:spPr>
-        <p:txBody>
-          <a:bodyPr wrap="square">
-            <a:spAutoFit/>
-          </a:bodyPr>
-          <a:lstStyle/>
-          <a:p>
-            <a:pPr>
-              <a:lnSpc>
-                <a:spcPct val="150000"/>
-              </a:lnSpc>
-            </a:pPr>
-            <a:r>
-              <a:rPr lang="en-US" altLang="zh-CN" dirty="0">
-                <a:latin typeface="+mn-ea"/>
-                <a:sym typeface="+mn-ea"/>
-              </a:rPr>
-              <a:t>[1]</a:t>
-            </a:r>
-            <a:endParaRPr lang="en-US" altLang="zh-CN" dirty="0">
-              <a:latin typeface="+mn-ea"/>
-            </a:endParaRPr>
-          </a:p>
-        </p:txBody>
-      </p:sp>
       <p:pic>
         <p:nvPicPr>
           <p:cNvPr id="17" name="图片 16"/>
@@ -10073,7 +11244,7 @@
         </p:nvSpPr>
         <p:spPr>
           <a:xfrm>
-            <a:off x="1385052" y="380549"/>
+            <a:off x="1355898" y="353464"/>
             <a:ext cx="4333875" cy="460375"/>
           </a:xfrm>
           <a:prstGeom prst="rect">
@@ -10085,12 +11256,149 @@
           <a:bodyPr wrap="square" rtlCol="0">
             <a:spAutoFit/>
           </a:bodyPr>
+          <a:lstStyle/>
           <a:p>
             <a:r>
               <a:rPr lang="zh-CN" altLang="en-US" sz="2400" b="1" dirty="0"/>
-              <a:t>参考资料</a:t>
+              <a:t>团建记录</a:t>
             </a:r>
             <a:endParaRPr lang="en-US" altLang="zh-CN" sz="2400" b="1" dirty="0"/>
+          </a:p>
+        </p:txBody>
+      </p:sp>
+      <p:pic>
+        <p:nvPicPr>
+          <p:cNvPr id="2" name="Picture 1"/>
+          <p:cNvPicPr>
+            <a:picLocks noChangeAspect="1"/>
+          </p:cNvPicPr>
+          <p:nvPr/>
+        </p:nvPicPr>
+        <p:blipFill>
+          <a:blip r:embed="rId2"/>
+          <a:stretch>
+            <a:fillRect/>
+          </a:stretch>
+        </p:blipFill>
+        <p:spPr>
+          <a:xfrm>
+            <a:off x="7963535" y="1584325"/>
+            <a:ext cx="2674620" cy="2537460"/>
+          </a:xfrm>
+          <a:prstGeom prst="rect">
+            <a:avLst/>
+          </a:prstGeom>
+        </p:spPr>
+      </p:pic>
+      <p:pic>
+        <p:nvPicPr>
+          <p:cNvPr id="3" name="Picture 2"/>
+          <p:cNvPicPr>
+            <a:picLocks noChangeAspect="1"/>
+          </p:cNvPicPr>
+          <p:nvPr/>
+        </p:nvPicPr>
+        <p:blipFill>
+          <a:blip r:embed="rId3"/>
+          <a:stretch>
+            <a:fillRect/>
+          </a:stretch>
+        </p:blipFill>
+        <p:spPr>
+          <a:xfrm>
+            <a:off x="623570" y="1221740"/>
+            <a:ext cx="5798820" cy="4968240"/>
+          </a:xfrm>
+          <a:prstGeom prst="rect">
+            <a:avLst/>
+          </a:prstGeom>
+        </p:spPr>
+      </p:pic>
+      <p:sp>
+        <p:nvSpPr>
+          <p:cNvPr id="6" name="TextBox 5"/>
+          <p:cNvSpPr txBox="1"/>
+          <p:nvPr/>
+        </p:nvSpPr>
+        <p:spPr>
+          <a:xfrm>
+            <a:off x="2150593" y="6298129"/>
+            <a:ext cx="2743200" cy="368300"/>
+          </a:xfrm>
+          <a:prstGeom prst="rect">
+            <a:avLst/>
+          </a:prstGeom>
+          <a:noFill/>
+        </p:spPr>
+        <p:txBody>
+          <a:bodyPr wrap="square" rtlCol="0">
+            <a:spAutoFit/>
+          </a:bodyPr>
+          <a:p>
+            <a:pPr algn="ctr"/>
+            <a:r>
+              <a:rPr lang="zh-CN" altLang="en-US" dirty="0">
+                <a:hlinkClick r:id="rId4" tooltip="" action="ppaction://hlinkfile"/>
+              </a:rPr>
+              <a:t>团建记录</a:t>
+            </a:r>
+            <a:endParaRPr lang="zh-CN" altLang="en-US" dirty="0"/>
+          </a:p>
+        </p:txBody>
+      </p:sp>
+      <p:sp>
+        <p:nvSpPr>
+          <p:cNvPr id="8" name="TextBox 7"/>
+          <p:cNvSpPr txBox="1"/>
+          <p:nvPr/>
+        </p:nvSpPr>
+        <p:spPr>
+          <a:xfrm>
+            <a:off x="6868341" y="4759496"/>
+            <a:ext cx="4865427" cy="922020"/>
+          </a:xfrm>
+          <a:prstGeom prst="rect">
+            <a:avLst/>
+          </a:prstGeom>
+          <a:noFill/>
+        </p:spPr>
+        <p:txBody>
+          <a:bodyPr wrap="square" rtlCol="0">
+            <a:spAutoFit/>
+          </a:bodyPr>
+          <a:p>
+            <a:pPr algn="l"/>
+            <a:r>
+              <a:rPr lang="zh-CN" altLang="en-US" dirty="0"/>
+              <a:t>小组平均一周或两周进行一次团建，截止今日共进行</a:t>
+            </a:r>
+            <a:r>
+              <a:rPr lang="en-US" altLang="zh-CN" dirty="0"/>
+              <a:t>6</a:t>
+            </a:r>
+            <a:r>
+              <a:rPr lang="zh-CN" altLang="en-US" dirty="0"/>
+              <a:t>次团建。每次团建</a:t>
+            </a:r>
+            <a:r>
+              <a:rPr lang="zh-CN" altLang="en-US" dirty="0">
+                <a:sym typeface="+mn-ea"/>
+              </a:rPr>
+              <a:t>均保存电子稿和图片，并将团建记录上传至</a:t>
+            </a:r>
+            <a:r>
+              <a:rPr lang="en-US" altLang="zh-CN" dirty="0">
+                <a:sym typeface="+mn-ea"/>
+              </a:rPr>
+              <a:t>Git</a:t>
+            </a:r>
+            <a:r>
+              <a:rPr lang="zh-CN" altLang="en-US" dirty="0">
+                <a:sym typeface="+mn-ea"/>
+              </a:rPr>
+              <a:t>。</a:t>
+            </a:r>
+            <a:endParaRPr lang="zh-CN" altLang="en-US" dirty="0"/>
           </a:p>
         </p:txBody>
       </p:sp>
@@ -10360,10 +11668,10 @@
         </p:nvGrpSpPr>
         <p:grpSpPr>
           <a:xfrm>
-            <a:off x="1460471" y="1456159"/>
-            <a:ext cx="2791974" cy="1277465"/>
+            <a:off x="1460471" y="1456160"/>
+            <a:ext cx="2791974" cy="1524897"/>
             <a:chOff x="1505546" y="3138729"/>
-            <a:chExt cx="2883848" cy="1303214"/>
+            <a:chExt cx="2883848" cy="1555633"/>
           </a:xfrm>
         </p:grpSpPr>
         <p:sp>
@@ -10500,7 +11808,7 @@
           <p:spPr>
             <a:xfrm>
               <a:off x="1505546" y="3846615"/>
-              <a:ext cx="2883848" cy="595328"/>
+              <a:ext cx="2883848" cy="847747"/>
             </a:xfrm>
             <a:prstGeom prst="rect">
               <a:avLst/>
@@ -10621,24 +11929,18 @@
                 <a:defRPr/>
               </a:pPr>
               <a:r>
-                <a:rPr kumimoji="0" lang="zh-CN" altLang="en-US" sz="2000" i="0" u="none" strike="noStrike" kern="0" cap="none" spc="0" normalizeH="0" baseline="0" noProof="0" dirty="0">
-                  <a:ln>
-                    <a:noFill/>
-                  </a:ln>
+                <a:rPr lang="zh-CN" altLang="en-US" sz="2000" kern="0" dirty="0">
                   <a:solidFill>
                     <a:schemeClr val="tx1">
                       <a:lumMod val="75000"/>
                       <a:lumOff val="25000"/>
                     </a:schemeClr>
                   </a:solidFill>
-                  <a:effectLst/>
-                  <a:uLnTx/>
-                  <a:uFillTx/>
                   <a:latin typeface="宋体" panose="02010600030101010101" pitchFamily="2" charset="-122"/>
                   <a:ea typeface="宋体" panose="02010600030101010101" pitchFamily="2" charset="-122"/>
                   <a:sym typeface="+mn-ea"/>
                 </a:rPr>
-                <a:t>成果汇总</a:t>
+                <a:t>前期更新</a:t>
               </a:r>
               <a:endParaRPr kumimoji="0" lang="en-US" altLang="zh-CN" sz="2000" i="0" u="none" strike="noStrike" kern="0" cap="none" spc="0" normalizeH="0" baseline="0" noProof="0" dirty="0">
                 <a:ln>
@@ -10663,7 +11965,7 @@
                 <a:defRPr/>
               </a:pPr>
               <a:r>
-                <a:rPr lang="en-US" altLang="zh-CN" sz="1200" dirty="0">
+                <a:rPr lang="en-US" altLang="zh-CN" sz="2800" dirty="0">
                   <a:solidFill>
                     <a:schemeClr val="tx1">
                       <a:lumMod val="75000"/>
@@ -10671,9 +11973,21 @@
                     </a:schemeClr>
                   </a:solidFill>
                   <a:cs typeface="+mn-lt"/>
+                </a:rPr>
+                <a:t> </a:t>
+              </a:r>
+              <a:r>
+                <a:rPr lang="en-US" altLang="zh-CN" sz="1200" dirty="0">
+                  <a:solidFill>
+                    <a:schemeClr val="tx1">
+                      <a:lumMod val="75000"/>
+                      <a:lumOff val="25000"/>
+                    </a:schemeClr>
+                  </a:solidFill>
+                  <a:cs typeface="+mn-lt"/>
                   <a:sym typeface="+mn-ea"/>
                 </a:rPr>
-                <a:t>Summary of Achievements</a:t>
+                <a:t>Pre-update</a:t>
               </a:r>
               <a:endParaRPr lang="en-US" altLang="zh-CN" sz="1200" dirty="0">
                 <a:solidFill>
@@ -12904,7 +14218,7 @@
                   <a:latin typeface="宋体" panose="02010600030101010101" pitchFamily="2" charset="-122"/>
                   <a:ea typeface="宋体" panose="02010600030101010101" pitchFamily="2" charset="-122"/>
                 </a:rPr>
-                <a:t>成果汇总</a:t>
+                <a:t>前期更新</a:t>
               </a:r>
               <a:endParaRPr lang="en-US" altLang="zh-CN" sz="3200" noProof="0" dirty="0">
                 <a:ln>
@@ -12947,7 +14261,7 @@
                   <a:cs typeface="+mn-lt"/>
                   <a:sym typeface="+mn-ea"/>
                 </a:rPr>
-                <a:t>Summary of Achievements</a:t>
+                <a:t>Pre-update</a:t>
               </a:r>
               <a:endParaRPr lang="zh-CN" altLang="en-US" sz="1400" noProof="0" dirty="0">
                 <a:ln>
@@ -13001,8 +14315,8 @@
         </p:nvSpPr>
         <p:spPr>
           <a:xfrm>
-            <a:off x="0" y="1768817"/>
-            <a:ext cx="12192000" cy="3996503"/>
+            <a:off x="0" y="1522730"/>
+            <a:ext cx="12192000" cy="4668520"/>
           </a:xfrm>
           <a:prstGeom prst="rect">
             <a:avLst/>
@@ -13110,6 +14424,280 @@
                 <a:latin typeface="宋体" panose="02010600030101010101" pitchFamily="2" charset="-122"/>
                 <a:ea typeface="宋体" panose="02010600030101010101" pitchFamily="2" charset="-122"/>
               </a:rPr>
+              <a:t>更新 </a:t>
+            </a:r>
+            <a:endParaRPr lang="zh-CN" altLang="en-US" sz="2800" b="1" noProof="0" dirty="0">
+              <a:ln>
+                <a:noFill/>
+              </a:ln>
+              <a:solidFill>
+                <a:schemeClr val="tx1">
+                  <a:lumMod val="75000"/>
+                  <a:lumOff val="25000"/>
+                </a:schemeClr>
+              </a:solidFill>
+              <a:uLnTx/>
+              <a:uFillTx/>
+              <a:latin typeface="宋体" panose="02010600030101010101" pitchFamily="2" charset="-122"/>
+              <a:ea typeface="宋体" panose="02010600030101010101" pitchFamily="2" charset="-122"/>
+            </a:endParaRPr>
+          </a:p>
+        </p:txBody>
+      </p:sp>
+      <p:sp>
+        <p:nvSpPr>
+          <p:cNvPr id="2" name="文本框 1"/>
+          <p:cNvSpPr txBox="1"/>
+          <p:nvPr/>
+        </p:nvSpPr>
+        <p:spPr>
+          <a:xfrm>
+            <a:off x="392430" y="2149475"/>
+            <a:ext cx="2301875" cy="3415030"/>
+          </a:xfrm>
+          <a:prstGeom prst="rect">
+            <a:avLst/>
+          </a:prstGeom>
+          <a:noFill/>
+        </p:spPr>
+        <p:txBody>
+          <a:bodyPr wrap="square" rtlCol="0">
+            <a:spAutoFit/>
+          </a:bodyPr>
+          <a:lstStyle/>
+          <a:p>
+            <a:pPr fontAlgn="auto">
+              <a:lnSpc>
+                <a:spcPct val="150000"/>
+              </a:lnSpc>
+            </a:pPr>
+            <a:r>
+              <a:rPr lang="en-US" altLang="zh-CN" dirty="0">
+                <a:latin typeface="宋体" panose="02010600030101010101" pitchFamily="2" charset="-122"/>
+                <a:ea typeface="宋体" panose="02010600030101010101" pitchFamily="2" charset="-122"/>
+                <a:cs typeface="宋体" panose="02010600030101010101" pitchFamily="2" charset="-122"/>
+              </a:rPr>
+              <a:t>    </a:t>
+            </a:r>
+            <a:r>
+              <a:rPr lang="zh-CN" altLang="en-US" dirty="0">
+                <a:latin typeface="宋体" panose="02010600030101010101" pitchFamily="2" charset="-122"/>
+                <a:ea typeface="宋体" panose="02010600030101010101" pitchFamily="2" charset="-122"/>
+                <a:cs typeface="宋体" panose="02010600030101010101" pitchFamily="2" charset="-122"/>
+              </a:rPr>
+              <a:t>已根据实际开发情况修改项目计划和可行性分析报告。以下只列出改动较大的版本。</a:t>
+            </a:r>
+            <a:endParaRPr lang="zh-CN" altLang="en-US" dirty="0">
+              <a:latin typeface="宋体" panose="02010600030101010101" pitchFamily="2" charset="-122"/>
+              <a:ea typeface="宋体" panose="02010600030101010101" pitchFamily="2" charset="-122"/>
+              <a:cs typeface="宋体" panose="02010600030101010101" pitchFamily="2" charset="-122"/>
+            </a:endParaRPr>
+          </a:p>
+          <a:p>
+            <a:pPr fontAlgn="auto">
+              <a:lnSpc>
+                <a:spcPct val="150000"/>
+              </a:lnSpc>
+            </a:pPr>
+            <a:r>
+              <a:rPr lang="zh-CN" altLang="en-US" dirty="0">
+                <a:latin typeface="宋体" panose="02010600030101010101" pitchFamily="2" charset="-122"/>
+                <a:ea typeface="宋体" panose="02010600030101010101" pitchFamily="2" charset="-122"/>
+                <a:cs typeface="宋体" panose="02010600030101010101" pitchFamily="2" charset="-122"/>
+              </a:rPr>
+              <a:t>    同时细化项目计划</a:t>
+            </a:r>
+            <a:r>
+              <a:rPr lang="zh-CN" altLang="en-US" dirty="0">
+                <a:latin typeface="宋体" panose="02010600030101010101" pitchFamily="2" charset="-122"/>
+                <a:ea typeface="宋体" panose="02010600030101010101" pitchFamily="2" charset="-122"/>
+                <a:cs typeface="宋体" panose="02010600030101010101" pitchFamily="2" charset="-122"/>
+                <a:hlinkClick r:id="rId2" tooltip="" action="ppaction://hlinkfile"/>
+              </a:rPr>
+              <a:t>甘特图</a:t>
+            </a:r>
+            <a:r>
+              <a:rPr lang="zh-CN" altLang="en-US" dirty="0">
+                <a:latin typeface="宋体" panose="02010600030101010101" pitchFamily="2" charset="-122"/>
+                <a:ea typeface="宋体" panose="02010600030101010101" pitchFamily="2" charset="-122"/>
+                <a:cs typeface="宋体" panose="02010600030101010101" pitchFamily="2" charset="-122"/>
+              </a:rPr>
+              <a:t>，将每项任务精确到一天。</a:t>
+            </a:r>
+            <a:endParaRPr lang="en-US" altLang="zh-CN" dirty="0">
+              <a:latin typeface="宋体" panose="02010600030101010101" pitchFamily="2" charset="-122"/>
+              <a:ea typeface="宋体" panose="02010600030101010101" pitchFamily="2" charset="-122"/>
+              <a:cs typeface="宋体" panose="02010600030101010101" pitchFamily="2" charset="-122"/>
+            </a:endParaRPr>
+          </a:p>
+        </p:txBody>
+      </p:sp>
+      <p:pic>
+        <p:nvPicPr>
+          <p:cNvPr id="3" name="Picture 2" descr="甘特图"/>
+          <p:cNvPicPr>
+            <a:picLocks noChangeAspect="1"/>
+          </p:cNvPicPr>
+          <p:nvPr/>
+        </p:nvPicPr>
+        <p:blipFill>
+          <a:blip r:embed="rId3"/>
+          <a:stretch>
+            <a:fillRect/>
+          </a:stretch>
+        </p:blipFill>
+        <p:spPr>
+          <a:xfrm>
+            <a:off x="2973705" y="1657985"/>
+            <a:ext cx="8781415" cy="4398010"/>
+          </a:xfrm>
+          <a:prstGeom prst="rect">
+            <a:avLst/>
+          </a:prstGeom>
+        </p:spPr>
+      </p:pic>
+    </p:spTree>
+  </p:cSld>
+  <p:clrMapOvr>
+    <a:masterClrMapping/>
+  </p:clrMapOvr>
+</p:sld>
+</file>
+
+<file path=ppt/slides/slide6.xml><?xml version="1.0" encoding="utf-8"?>
+<p:sld xmlns:a="http://schemas.openxmlformats.org/drawingml/2006/main" xmlns:r="http://schemas.openxmlformats.org/officeDocument/2006/relationships" xmlns:p="http://schemas.openxmlformats.org/presentationml/2006/main">
+  <p:cSld>
+    <p:spTree>
+      <p:nvGrpSpPr>
+        <p:cNvPr id="1" name=""/>
+        <p:cNvGrpSpPr/>
+        <p:nvPr/>
+      </p:nvGrpSpPr>
+      <p:grpSpPr>
+        <a:xfrm>
+          <a:off x="0" y="0"/>
+          <a:ext cx="0" cy="0"/>
+          <a:chOff x="0" y="0"/>
+          <a:chExt cx="0" cy="0"/>
+        </a:xfrm>
+      </p:grpSpPr>
+      <p:sp>
+        <p:nvSpPr>
+          <p:cNvPr id="5" name="矩形 4"/>
+          <p:cNvSpPr/>
+          <p:nvPr/>
+        </p:nvSpPr>
+        <p:spPr>
+          <a:xfrm>
+            <a:off x="0" y="1768817"/>
+            <a:ext cx="12192000" cy="3996503"/>
+          </a:xfrm>
+          <a:prstGeom prst="rect">
+            <a:avLst/>
+          </a:prstGeom>
+          <a:solidFill>
+            <a:schemeClr val="accent1">
+              <a:lumMod val="40000"/>
+              <a:lumOff val="60000"/>
+            </a:schemeClr>
+          </a:solidFill>
+          <a:ln>
+            <a:noFill/>
+          </a:ln>
+        </p:spPr>
+        <p:style>
+          <a:lnRef idx="2">
+            <a:schemeClr val="accent1">
+              <a:shade val="50000"/>
+            </a:schemeClr>
+          </a:lnRef>
+          <a:fillRef idx="1">
+            <a:schemeClr val="accent1"/>
+          </a:fillRef>
+          <a:effectRef idx="0">
+            <a:schemeClr val="accent1"/>
+          </a:effectRef>
+          <a:fontRef idx="minor">
+            <a:schemeClr val="lt1"/>
+          </a:fontRef>
+        </p:style>
+        <p:txBody>
+          <a:bodyPr rtlCol="0" anchor="ctr"/>
+          <a:lstStyle/>
+          <a:p>
+            <a:pPr algn="ctr"/>
+            <a:endParaRPr lang="zh-CN" altLang="en-US"/>
+          </a:p>
+        </p:txBody>
+      </p:sp>
+      <p:pic>
+        <p:nvPicPr>
+          <p:cNvPr id="19" name="图片 18"/>
+          <p:cNvPicPr>
+            <a:picLocks noChangeAspect="1"/>
+          </p:cNvPicPr>
+          <p:nvPr/>
+        </p:nvPicPr>
+        <p:blipFill>
+          <a:blip r:embed="rId1" cstate="print">
+            <a:extLst>
+              <a:ext uri="{28A0092B-C50C-407E-A947-70E740481C1C}">
+                <a14:useLocalDpi xmlns:a14="http://schemas.microsoft.com/office/drawing/2010/main" val="0"/>
+              </a:ext>
+            </a:extLst>
+          </a:blip>
+          <a:stretch>
+            <a:fillRect/>
+          </a:stretch>
+        </p:blipFill>
+        <p:spPr>
+          <a:xfrm>
+            <a:off x="392177" y="300251"/>
+            <a:ext cx="1221474" cy="1221474"/>
+          </a:xfrm>
+          <a:prstGeom prst="rect">
+            <a:avLst/>
+          </a:prstGeom>
+        </p:spPr>
+      </p:pic>
+      <p:sp>
+        <p:nvSpPr>
+          <p:cNvPr id="25" name="TextBox 24"/>
+          <p:cNvSpPr txBox="1"/>
+          <p:nvPr/>
+        </p:nvSpPr>
+        <p:spPr>
+          <a:xfrm>
+            <a:off x="1614170" y="650240"/>
+            <a:ext cx="7504430" cy="521970"/>
+          </a:xfrm>
+          <a:prstGeom prst="rect">
+            <a:avLst/>
+          </a:prstGeom>
+          <a:noFill/>
+        </p:spPr>
+        <p:txBody>
+          <a:bodyPr wrap="square" rtlCol="0">
+            <a:spAutoFit/>
+          </a:bodyPr>
+          <a:lstStyle/>
+          <a:p>
+            <a:r>
+              <a:rPr lang="zh-CN" altLang="en-US" sz="2800" b="1" noProof="0" dirty="0">
+                <a:ln>
+                  <a:noFill/>
+                </a:ln>
+                <a:solidFill>
+                  <a:schemeClr val="tx1">
+                    <a:lumMod val="75000"/>
+                    <a:lumOff val="25000"/>
+                  </a:schemeClr>
+                </a:solidFill>
+                <a:uLnTx/>
+                <a:uFillTx/>
+                <a:latin typeface="宋体" panose="02010600030101010101" pitchFamily="2" charset="-122"/>
+                <a:ea typeface="宋体" panose="02010600030101010101" pitchFamily="2" charset="-122"/>
+              </a:rPr>
               <a:t>项目计划 </a:t>
             </a:r>
             <a:endParaRPr lang="zh-CN" altLang="en-US" sz="2800" b="1" noProof="0" dirty="0">
@@ -13168,7 +14756,7 @@
         </p:nvGrpSpPr>
         <p:grpSpPr>
           <a:xfrm>
-            <a:off x="2940575" y="3375475"/>
+            <a:off x="2650380" y="3375475"/>
             <a:ext cx="2319215" cy="2319215"/>
             <a:chOff x="2938584" y="2242373"/>
             <a:chExt cx="2319215" cy="2319215"/>
@@ -13253,7 +14841,7 @@
         </p:nvSpPr>
         <p:spPr>
           <a:xfrm>
-            <a:off x="3685616" y="5739806"/>
+            <a:off x="3418281" y="5765841"/>
             <a:ext cx="783590" cy="368300"/>
           </a:xfrm>
           <a:prstGeom prst="rect">
@@ -13292,7 +14880,7 @@
         </p:nvSpPr>
         <p:spPr>
           <a:xfrm>
-            <a:off x="3474268" y="6118533"/>
+            <a:off x="3194868" y="6199813"/>
             <a:ext cx="1230630" cy="368300"/>
           </a:xfrm>
           <a:prstGeom prst="rect">
@@ -13330,7 +14918,7 @@
         </p:nvGrpSpPr>
         <p:grpSpPr>
           <a:xfrm>
-            <a:off x="5892689" y="3375821"/>
+            <a:off x="4846209" y="3375821"/>
             <a:ext cx="2319215" cy="2319215"/>
             <a:chOff x="2938584" y="2242373"/>
             <a:chExt cx="2319215" cy="2319215"/>
@@ -13415,7 +15003,7 @@
         </p:nvSpPr>
         <p:spPr>
           <a:xfrm>
-            <a:off x="6691879" y="5764398"/>
+            <a:off x="5684769" y="5749793"/>
             <a:ext cx="822325" cy="368300"/>
           </a:xfrm>
           <a:prstGeom prst="rect">
@@ -13430,7 +15018,7 @@
           <a:lstStyle/>
           <a:p>
             <a:r>
-              <a:rPr kumimoji="1" lang="en-US" altLang="zh-CN" dirty="0" smtClean="0">
+              <a:rPr kumimoji="1" lang="en-US" altLang="zh-CN" dirty="0">
                 <a:latin typeface="微软雅黑 Light" panose="020B0502040204020203" pitchFamily="34" charset="-122"/>
                 <a:ea typeface="微软雅黑 Light" panose="020B0502040204020203" pitchFamily="34" charset="-122"/>
                 <a:cs typeface="微软雅黑 Light" panose="020B0502040204020203" pitchFamily="34" charset="-122"/>
@@ -13453,7 +15041,7 @@
         </p:nvSpPr>
         <p:spPr>
           <a:xfrm>
-            <a:off x="6417550" y="6118245"/>
+            <a:off x="5461240" y="6199525"/>
             <a:ext cx="1269365" cy="368300"/>
           </a:xfrm>
           <a:prstGeom prst="rect">
@@ -13491,7 +15079,7 @@
         </p:nvGrpSpPr>
         <p:grpSpPr>
           <a:xfrm>
-            <a:off x="8845440" y="3408379"/>
+            <a:off x="7041405" y="3375359"/>
             <a:ext cx="2319215" cy="2319215"/>
             <a:chOff x="2938584" y="2242373"/>
             <a:chExt cx="2319215" cy="2319215"/>
@@ -13576,8 +15164,8 @@
         </p:nvSpPr>
         <p:spPr>
           <a:xfrm>
-            <a:off x="8566053" y="5765611"/>
-            <a:ext cx="2879725" cy="368300"/>
+            <a:off x="7789448" y="5749736"/>
+            <a:ext cx="822325" cy="368300"/>
           </a:xfrm>
           <a:prstGeom prst="rect">
             <a:avLst/>
@@ -13591,20 +15179,12 @@
           <a:lstStyle/>
           <a:p>
             <a:r>
-              <a:rPr kumimoji="1" lang="en-US" altLang="zh-CN" dirty="0" smtClean="0">
+              <a:rPr kumimoji="1" lang="en-US" altLang="zh-CN" dirty="0">
                 <a:latin typeface="微软雅黑 Light" panose="020B0502040204020203" pitchFamily="34" charset="-122"/>
                 <a:ea typeface="微软雅黑 Light" panose="020B0502040204020203" pitchFamily="34" charset="-122"/>
                 <a:cs typeface="微软雅黑 Light" panose="020B0502040204020203" pitchFamily="34" charset="-122"/>
               </a:rPr>
               <a:t>V0.3.0</a:t>
-            </a:r>
-            <a:r>
-              <a:rPr kumimoji="1" lang="zh-CN" altLang="en-US" dirty="0">
-                <a:latin typeface="微软雅黑 Light" panose="020B0502040204020203" pitchFamily="34" charset="-122"/>
-                <a:ea typeface="微软雅黑 Light" panose="020B0502040204020203" pitchFamily="34" charset="-122"/>
-                <a:cs typeface="微软雅黑 Light" panose="020B0502040204020203" pitchFamily="34" charset="-122"/>
-              </a:rPr>
-              <a:t>（后续版本待修订）</a:t>
             </a:r>
             <a:endParaRPr kumimoji="1" lang="zh-CN" altLang="en-US" dirty="0">
               <a:latin typeface="微软雅黑 Light" panose="020B0502040204020203" pitchFamily="34" charset="-122"/>
@@ -13622,7 +15202,7 @@
         </p:nvSpPr>
         <p:spPr>
           <a:xfrm>
-            <a:off x="9318057" y="6118419"/>
+            <a:off x="7513387" y="6198429"/>
             <a:ext cx="1374094" cy="369332"/>
           </a:xfrm>
           <a:prstGeom prst="rect">
@@ -13637,7 +15217,7 @@
           <a:lstStyle/>
           <a:p>
             <a:r>
-              <a:rPr kumimoji="1" lang="en-US" altLang="zh-CN" dirty="0" smtClean="0">
+              <a:rPr kumimoji="1" lang="en-US" altLang="zh-CN" dirty="0">
                 <a:latin typeface="微软雅黑 Light" panose="020B0502040204020203" pitchFamily="34" charset="-122"/>
                 <a:ea typeface="微软雅黑 Light" panose="020B0502040204020203" pitchFamily="34" charset="-122"/>
                 <a:cs typeface="微软雅黑 Light" panose="020B0502040204020203" pitchFamily="34" charset="-122"/>
@@ -13672,6 +15252,7 @@
           <a:bodyPr wrap="square" rtlCol="0">
             <a:spAutoFit/>
           </a:bodyPr>
+          <a:lstStyle/>
           <a:p>
             <a:pPr fontAlgn="auto">
               <a:lnSpc>
@@ -13687,7 +15268,7 @@
               <a:t>根据《GB8567-88 计算机软件产品开发文件编制指南》中项目开发计划的要求，同时参考</a:t>
             </a:r>
             <a:r>
-              <a:rPr lang="zh-CN" altLang="en-US" dirty="0" smtClean="0">
+              <a:rPr lang="zh-CN" altLang="en-US" dirty="0">
                 <a:latin typeface="宋体" panose="02010600030101010101" pitchFamily="2" charset="-122"/>
                 <a:ea typeface="宋体" panose="02010600030101010101" pitchFamily="2" charset="-122"/>
                 <a:cs typeface="宋体" panose="02010600030101010101" pitchFamily="2" charset="-122"/>
@@ -13696,7 +15277,7 @@
               <a:t>《GB8567－</a:t>
             </a:r>
             <a:r>
-              <a:rPr lang="en-US" altLang="zh-CN" dirty="0" smtClean="0">
+              <a:rPr lang="en-US" altLang="zh-CN" dirty="0">
                 <a:latin typeface="宋体" panose="02010600030101010101" pitchFamily="2" charset="-122"/>
                 <a:ea typeface="宋体" panose="02010600030101010101" pitchFamily="2" charset="-122"/>
                 <a:cs typeface="宋体" panose="02010600030101010101" pitchFamily="2" charset="-122"/>
@@ -13705,7 +15286,7 @@
               <a:t>2006</a:t>
             </a:r>
             <a:r>
-              <a:rPr lang="zh-CN" altLang="en-US" dirty="0" smtClean="0">
+              <a:rPr lang="zh-CN" altLang="en-US" dirty="0">
                 <a:latin typeface="宋体" panose="02010600030101010101" pitchFamily="2" charset="-122"/>
                 <a:ea typeface="宋体" panose="02010600030101010101" pitchFamily="2" charset="-122"/>
                 <a:cs typeface="宋体" panose="02010600030101010101" pitchFamily="2" charset="-122"/>
@@ -13742,6 +15323,172 @@
               <a:latin typeface="宋体" panose="02010600030101010101" pitchFamily="2" charset="-122"/>
               <a:ea typeface="宋体" panose="02010600030101010101" pitchFamily="2" charset="-122"/>
               <a:cs typeface="宋体" panose="02010600030101010101" pitchFamily="2" charset="-122"/>
+            </a:endParaRPr>
+          </a:p>
+        </p:txBody>
+      </p:sp>
+      <p:grpSp>
+        <p:nvGrpSpPr>
+          <p:cNvPr id="2" name="组 5"/>
+          <p:cNvGrpSpPr/>
+          <p:nvPr/>
+        </p:nvGrpSpPr>
+        <p:grpSpPr>
+          <a:xfrm>
+            <a:off x="9236600" y="3375359"/>
+            <a:ext cx="2319215" cy="2319215"/>
+            <a:chOff x="2938584" y="2242373"/>
+            <a:chExt cx="2319215" cy="2319215"/>
+          </a:xfrm>
+        </p:grpSpPr>
+        <p:pic>
+          <p:nvPicPr>
+            <p:cNvPr id="13" name="图片 3">
+              <a:hlinkClick r:id="rId3" action="ppaction://hlinkfile"/>
+            </p:cNvPr>
+            <p:cNvPicPr>
+              <a:picLocks noChangeAspect="1"/>
+            </p:cNvPicPr>
+            <p:nvPr/>
+          </p:nvPicPr>
+          <p:blipFill>
+            <a:blip r:embed="rId4" cstate="print">
+              <a:extLst>
+                <a:ext uri="{28A0092B-C50C-407E-A947-70E740481C1C}">
+                  <a14:useLocalDpi xmlns:a14="http://schemas.microsoft.com/office/drawing/2010/main" val="0"/>
+                </a:ext>
+              </a:extLst>
+            </a:blip>
+            <a:stretch>
+              <a:fillRect/>
+            </a:stretch>
+          </p:blipFill>
+          <p:spPr>
+            <a:xfrm>
+              <a:off x="2938584" y="2242373"/>
+              <a:ext cx="2319215" cy="2319215"/>
+            </a:xfrm>
+            <a:prstGeom prst="rect">
+              <a:avLst/>
+            </a:prstGeom>
+          </p:spPr>
+        </p:pic>
+        <p:sp>
+          <p:nvSpPr>
+            <p:cNvPr id="15" name="文本框 4"/>
+            <p:cNvSpPr txBox="1"/>
+            <p:nvPr/>
+          </p:nvSpPr>
+          <p:spPr>
+            <a:xfrm>
+              <a:off x="3557017" y="2727435"/>
+              <a:ext cx="1082348" cy="307777"/>
+            </a:xfrm>
+            <a:prstGeom prst="rect">
+              <a:avLst/>
+            </a:prstGeom>
+            <a:noFill/>
+          </p:spPr>
+          <p:txBody>
+            <a:bodyPr wrap="none" rtlCol="0">
+              <a:spAutoFit/>
+            </a:bodyPr>
+            <a:p>
+              <a:r>
+                <a:rPr kumimoji="1" lang="zh-CN" altLang="en-US" sz="1400" dirty="0">
+                  <a:latin typeface="微软雅黑 Light" panose="020B0502040204020203" pitchFamily="34" charset="-122"/>
+                  <a:ea typeface="微软雅黑 Light" panose="020B0502040204020203" pitchFamily="34" charset="-122"/>
+                  <a:cs typeface="微软雅黑 Light" panose="020B0502040204020203" pitchFamily="34" charset="-122"/>
+                </a:rPr>
+                <a:t>项目计划书</a:t>
+              </a:r>
+              <a:endParaRPr kumimoji="1" lang="zh-CN" altLang="en-US" sz="1400" dirty="0">
+                <a:latin typeface="微软雅黑 Light" panose="020B0502040204020203" pitchFamily="34" charset="-122"/>
+                <a:ea typeface="微软雅黑 Light" panose="020B0502040204020203" pitchFamily="34" charset="-122"/>
+                <a:cs typeface="微软雅黑 Light" panose="020B0502040204020203" pitchFamily="34" charset="-122"/>
+              </a:endParaRPr>
+            </a:p>
+          </p:txBody>
+        </p:sp>
+      </p:grpSp>
+      <p:sp>
+        <p:nvSpPr>
+          <p:cNvPr id="24" name="文本框 6"/>
+          <p:cNvSpPr txBox="1"/>
+          <p:nvPr/>
+        </p:nvSpPr>
+        <p:spPr>
+          <a:xfrm>
+            <a:off x="8954673" y="5765611"/>
+            <a:ext cx="2883535" cy="368300"/>
+          </a:xfrm>
+          <a:prstGeom prst="rect">
+            <a:avLst/>
+          </a:prstGeom>
+          <a:noFill/>
+        </p:spPr>
+        <p:txBody>
+          <a:bodyPr wrap="none" rtlCol="0">
+            <a:spAutoFit/>
+          </a:bodyPr>
+          <a:p>
+            <a:r>
+              <a:rPr kumimoji="1" lang="en-US" altLang="zh-CN" dirty="0">
+                <a:latin typeface="微软雅黑 Light" panose="020B0502040204020203" pitchFamily="34" charset="-122"/>
+                <a:ea typeface="微软雅黑 Light" panose="020B0502040204020203" pitchFamily="34" charset="-122"/>
+                <a:cs typeface="微软雅黑 Light" panose="020B0502040204020203" pitchFamily="34" charset="-122"/>
+              </a:rPr>
+              <a:t>V0.4.0</a:t>
+            </a:r>
+            <a:r>
+              <a:rPr kumimoji="1" lang="zh-CN" altLang="en-US" dirty="0">
+                <a:latin typeface="微软雅黑 Light" panose="020B0502040204020203" pitchFamily="34" charset="-122"/>
+                <a:ea typeface="微软雅黑 Light" panose="020B0502040204020203" pitchFamily="34" charset="-122"/>
+                <a:cs typeface="微软雅黑 Light" panose="020B0502040204020203" pitchFamily="34" charset="-122"/>
+              </a:rPr>
+              <a:t>（后续版本待修订）</a:t>
+            </a:r>
+            <a:endParaRPr kumimoji="1" lang="zh-CN" altLang="en-US" dirty="0">
+              <a:latin typeface="微软雅黑 Light" panose="020B0502040204020203" pitchFamily="34" charset="-122"/>
+              <a:ea typeface="微软雅黑 Light" panose="020B0502040204020203" pitchFamily="34" charset="-122"/>
+              <a:cs typeface="微软雅黑 Light" panose="020B0502040204020203" pitchFamily="34" charset="-122"/>
+            </a:endParaRPr>
+          </a:p>
+        </p:txBody>
+      </p:sp>
+      <p:sp>
+        <p:nvSpPr>
+          <p:cNvPr id="26" name="文本框 13"/>
+          <p:cNvSpPr txBox="1"/>
+          <p:nvPr/>
+        </p:nvSpPr>
+        <p:spPr>
+          <a:xfrm>
+            <a:off x="9855267" y="6199699"/>
+            <a:ext cx="1191895" cy="368300"/>
+          </a:xfrm>
+          <a:prstGeom prst="rect">
+            <a:avLst/>
+          </a:prstGeom>
+          <a:noFill/>
+        </p:spPr>
+        <p:txBody>
+          <a:bodyPr wrap="none" rtlCol="0">
+            <a:spAutoFit/>
+          </a:bodyPr>
+          <a:p>
+            <a:r>
+              <a:rPr kumimoji="1" lang="en-US" altLang="zh-CN" dirty="0">
+                <a:latin typeface="微软雅黑 Light" panose="020B0502040204020203" pitchFamily="34" charset="-122"/>
+                <a:ea typeface="微软雅黑 Light" panose="020B0502040204020203" pitchFamily="34" charset="-122"/>
+                <a:cs typeface="微软雅黑 Light" panose="020B0502040204020203" pitchFamily="34" charset="-122"/>
+              </a:rPr>
+              <a:t>2020.11.15</a:t>
+            </a:r>
+            <a:endParaRPr kumimoji="1" lang="zh-CN" altLang="en-US" dirty="0">
+              <a:latin typeface="微软雅黑 Light" panose="020B0502040204020203" pitchFamily="34" charset="-122"/>
+              <a:ea typeface="微软雅黑 Light" panose="020B0502040204020203" pitchFamily="34" charset="-122"/>
+              <a:cs typeface="微软雅黑 Light" panose="020B0502040204020203" pitchFamily="34" charset="-122"/>
             </a:endParaRPr>
           </a:p>
         </p:txBody>
@@ -13754,7 +15501,7 @@
 </p:sld>
 </file>
 
-<file path=ppt/slides/slide6.xml><?xml version="1.0" encoding="utf-8"?>
+<file path=ppt/slides/slide7.xml><?xml version="1.0" encoding="utf-8"?>
 <p:sld xmlns:a="http://schemas.openxmlformats.org/drawingml/2006/main" xmlns:r="http://schemas.openxmlformats.org/officeDocument/2006/relationships" xmlns:p="http://schemas.openxmlformats.org/presentationml/2006/main">
   <p:cSld>
     <p:spTree>
@@ -13998,252 +15745,15 @@
           </a:prstGeom>
         </p:spPr>
       </p:pic>
-      <p:sp>
-        <p:nvSpPr>
-          <p:cNvPr id="8" name="文本框 6"/>
-          <p:cNvSpPr txBox="1"/>
-          <p:nvPr/>
-        </p:nvSpPr>
-        <p:spPr>
-          <a:xfrm>
-            <a:off x="3685616" y="5769016"/>
-            <a:ext cx="783590" cy="368300"/>
-          </a:xfrm>
-          <a:prstGeom prst="rect">
-            <a:avLst/>
-          </a:prstGeom>
-          <a:noFill/>
-        </p:spPr>
-        <p:txBody>
-          <a:bodyPr wrap="none" rtlCol="0">
-            <a:spAutoFit/>
-          </a:bodyPr>
-          <a:lstStyle/>
-          <a:p>
-            <a:pPr algn="ctr"/>
-            <a:r>
-              <a:rPr kumimoji="1" lang="en-US" altLang="zh-CN" dirty="0">
-                <a:latin typeface="微软雅黑 Light" panose="020B0502040204020203" pitchFamily="34" charset="-122"/>
-                <a:ea typeface="微软雅黑 Light" panose="020B0502040204020203" pitchFamily="34" charset="-122"/>
-                <a:cs typeface="微软雅黑 Light" panose="020B0502040204020203" pitchFamily="34" charset="-122"/>
-              </a:rPr>
-              <a:t>V0.1.0</a:t>
-            </a:r>
-            <a:endParaRPr kumimoji="1" lang="zh-CN" altLang="en-US" dirty="0">
-              <a:latin typeface="微软雅黑 Light" panose="020B0502040204020203" pitchFamily="34" charset="-122"/>
-              <a:ea typeface="微软雅黑 Light" panose="020B0502040204020203" pitchFamily="34" charset="-122"/>
-              <a:cs typeface="微软雅黑 Light" panose="020B0502040204020203" pitchFamily="34" charset="-122"/>
-            </a:endParaRPr>
-          </a:p>
-        </p:txBody>
-      </p:sp>
-      <p:sp>
-        <p:nvSpPr>
-          <p:cNvPr id="14" name="文本框 13"/>
-          <p:cNvSpPr txBox="1"/>
-          <p:nvPr/>
-        </p:nvSpPr>
-        <p:spPr>
-          <a:xfrm>
-            <a:off x="3474268" y="6118533"/>
-            <a:ext cx="1230630" cy="368300"/>
-          </a:xfrm>
-          <a:prstGeom prst="rect">
-            <a:avLst/>
-          </a:prstGeom>
-          <a:noFill/>
-        </p:spPr>
-        <p:txBody>
-          <a:bodyPr wrap="none" rtlCol="0">
-            <a:spAutoFit/>
-          </a:bodyPr>
-          <a:lstStyle/>
-          <a:p>
-            <a:r>
-              <a:rPr kumimoji="1" lang="en-US" altLang="zh-CN" dirty="0">
-                <a:latin typeface="微软雅黑 Light" panose="020B0502040204020203" pitchFamily="34" charset="-122"/>
-                <a:ea typeface="微软雅黑 Light" panose="020B0502040204020203" pitchFamily="34" charset="-122"/>
-                <a:cs typeface="微软雅黑 Light" panose="020B0502040204020203" pitchFamily="34" charset="-122"/>
-              </a:rPr>
-              <a:t>2020.11.03</a:t>
-            </a:r>
-            <a:endParaRPr kumimoji="1" lang="zh-CN" altLang="en-US" dirty="0">
-              <a:latin typeface="微软雅黑 Light" panose="020B0502040204020203" pitchFamily="34" charset="-122"/>
-              <a:ea typeface="微软雅黑 Light" panose="020B0502040204020203" pitchFamily="34" charset="-122"/>
-              <a:cs typeface="微软雅黑 Light" panose="020B0502040204020203" pitchFamily="34" charset="-122"/>
-            </a:endParaRPr>
-          </a:p>
-        </p:txBody>
-      </p:sp>
-      <p:sp>
-        <p:nvSpPr>
-          <p:cNvPr id="16" name="文本框 6"/>
-          <p:cNvSpPr txBox="1"/>
-          <p:nvPr/>
-        </p:nvSpPr>
-        <p:spPr>
-          <a:xfrm>
-            <a:off x="6652509" y="5765668"/>
-            <a:ext cx="822325" cy="368300"/>
-          </a:xfrm>
-          <a:prstGeom prst="rect">
-            <a:avLst/>
-          </a:prstGeom>
-          <a:noFill/>
-        </p:spPr>
-        <p:txBody>
-          <a:bodyPr wrap="none" rtlCol="0">
-            <a:spAutoFit/>
-          </a:bodyPr>
-          <a:lstStyle/>
-          <a:p>
-            <a:r>
-              <a:rPr kumimoji="1" lang="en-US" altLang="zh-CN" dirty="0" smtClean="0">
-                <a:latin typeface="微软雅黑 Light" panose="020B0502040204020203" pitchFamily="34" charset="-122"/>
-                <a:ea typeface="微软雅黑 Light" panose="020B0502040204020203" pitchFamily="34" charset="-122"/>
-                <a:cs typeface="微软雅黑 Light" panose="020B0502040204020203" pitchFamily="34" charset="-122"/>
-              </a:rPr>
-              <a:t>V0.2.0</a:t>
-            </a:r>
-            <a:endParaRPr kumimoji="1" lang="zh-CN" altLang="en-US" dirty="0">
-              <a:latin typeface="微软雅黑 Light" panose="020B0502040204020203" pitchFamily="34" charset="-122"/>
-              <a:ea typeface="微软雅黑 Light" panose="020B0502040204020203" pitchFamily="34" charset="-122"/>
-              <a:cs typeface="微软雅黑 Light" panose="020B0502040204020203" pitchFamily="34" charset="-122"/>
-            </a:endParaRPr>
-          </a:p>
-        </p:txBody>
-      </p:sp>
-      <p:sp>
-        <p:nvSpPr>
-          <p:cNvPr id="17" name="文本框 13"/>
-          <p:cNvSpPr txBox="1"/>
-          <p:nvPr/>
-        </p:nvSpPr>
-        <p:spPr>
-          <a:xfrm>
-            <a:off x="6437235" y="6118245"/>
-            <a:ext cx="1230630" cy="368300"/>
-          </a:xfrm>
-          <a:prstGeom prst="rect">
-            <a:avLst/>
-          </a:prstGeom>
-          <a:noFill/>
-        </p:spPr>
-        <p:txBody>
-          <a:bodyPr wrap="none" rtlCol="0">
-            <a:spAutoFit/>
-          </a:bodyPr>
-          <a:lstStyle/>
-          <a:p>
-            <a:r>
-              <a:rPr kumimoji="1" lang="en-US" altLang="zh-CN" dirty="0">
-                <a:latin typeface="微软雅黑 Light" panose="020B0502040204020203" pitchFamily="34" charset="-122"/>
-                <a:ea typeface="微软雅黑 Light" panose="020B0502040204020203" pitchFamily="34" charset="-122"/>
-                <a:cs typeface="微软雅黑 Light" panose="020B0502040204020203" pitchFamily="34" charset="-122"/>
-              </a:rPr>
-              <a:t>2020.11.05</a:t>
-            </a:r>
-            <a:endParaRPr kumimoji="1" lang="zh-CN" altLang="en-US" dirty="0">
-              <a:latin typeface="微软雅黑 Light" panose="020B0502040204020203" pitchFamily="34" charset="-122"/>
-              <a:ea typeface="微软雅黑 Light" panose="020B0502040204020203" pitchFamily="34" charset="-122"/>
-              <a:cs typeface="微软雅黑 Light" panose="020B0502040204020203" pitchFamily="34" charset="-122"/>
-            </a:endParaRPr>
-          </a:p>
-        </p:txBody>
-      </p:sp>
-      <p:sp>
-        <p:nvSpPr>
-          <p:cNvPr id="22" name="文本框 6"/>
-          <p:cNvSpPr txBox="1"/>
-          <p:nvPr/>
-        </p:nvSpPr>
-        <p:spPr>
-          <a:xfrm>
-            <a:off x="8566053" y="5767516"/>
-            <a:ext cx="2879725" cy="368300"/>
-          </a:xfrm>
-          <a:prstGeom prst="rect">
-            <a:avLst/>
-          </a:prstGeom>
-          <a:noFill/>
-        </p:spPr>
-        <p:txBody>
-          <a:bodyPr wrap="none" rtlCol="0">
-            <a:spAutoFit/>
-          </a:bodyPr>
-          <a:lstStyle/>
-          <a:p>
-            <a:r>
-              <a:rPr kumimoji="1" lang="en-US" altLang="zh-CN" dirty="0" smtClean="0">
-                <a:latin typeface="微软雅黑 Light" panose="020B0502040204020203" pitchFamily="34" charset="-122"/>
-                <a:ea typeface="微软雅黑 Light" panose="020B0502040204020203" pitchFamily="34" charset="-122"/>
-                <a:cs typeface="微软雅黑 Light" panose="020B0502040204020203" pitchFamily="34" charset="-122"/>
-              </a:rPr>
-              <a:t>V0.3.0</a:t>
-            </a:r>
-            <a:r>
-              <a:rPr kumimoji="1" lang="zh-CN" altLang="en-US" dirty="0">
-                <a:latin typeface="微软雅黑 Light" panose="020B0502040204020203" pitchFamily="34" charset="-122"/>
-                <a:ea typeface="微软雅黑 Light" panose="020B0502040204020203" pitchFamily="34" charset="-122"/>
-                <a:cs typeface="微软雅黑 Light" panose="020B0502040204020203" pitchFamily="34" charset="-122"/>
-              </a:rPr>
-              <a:t>（后续版本待修订）</a:t>
-            </a:r>
-            <a:endParaRPr kumimoji="1" lang="zh-CN" altLang="en-US" dirty="0">
-              <a:latin typeface="微软雅黑 Light" panose="020B0502040204020203" pitchFamily="34" charset="-122"/>
-              <a:ea typeface="微软雅黑 Light" panose="020B0502040204020203" pitchFamily="34" charset="-122"/>
-              <a:cs typeface="微软雅黑 Light" panose="020B0502040204020203" pitchFamily="34" charset="-122"/>
-            </a:endParaRPr>
-          </a:p>
-        </p:txBody>
-      </p:sp>
-      <p:sp>
-        <p:nvSpPr>
-          <p:cNvPr id="23" name="文本框 13"/>
-          <p:cNvSpPr txBox="1"/>
-          <p:nvPr/>
-        </p:nvSpPr>
-        <p:spPr>
-          <a:xfrm>
-            <a:off x="9389812" y="6137469"/>
-            <a:ext cx="1230630" cy="368300"/>
-          </a:xfrm>
-          <a:prstGeom prst="rect">
-            <a:avLst/>
-          </a:prstGeom>
-          <a:noFill/>
-        </p:spPr>
-        <p:txBody>
-          <a:bodyPr wrap="none" rtlCol="0">
-            <a:spAutoFit/>
-          </a:bodyPr>
-          <a:lstStyle/>
-          <a:p>
-            <a:r>
-              <a:rPr kumimoji="1" lang="en-US" altLang="zh-CN" dirty="0" smtClean="0">
-                <a:latin typeface="微软雅黑 Light" panose="020B0502040204020203" pitchFamily="34" charset="-122"/>
-                <a:ea typeface="微软雅黑 Light" panose="020B0502040204020203" pitchFamily="34" charset="-122"/>
-                <a:cs typeface="微软雅黑 Light" panose="020B0502040204020203" pitchFamily="34" charset="-122"/>
-              </a:rPr>
-              <a:t>2020.11.06</a:t>
-            </a:r>
-            <a:endParaRPr kumimoji="1" lang="zh-CN" altLang="en-US" dirty="0">
-              <a:latin typeface="微软雅黑 Light" panose="020B0502040204020203" pitchFamily="34" charset="-122"/>
-              <a:ea typeface="微软雅黑 Light" panose="020B0502040204020203" pitchFamily="34" charset="-122"/>
-              <a:cs typeface="微软雅黑 Light" panose="020B0502040204020203" pitchFamily="34" charset="-122"/>
-            </a:endParaRPr>
-          </a:p>
-        </p:txBody>
-      </p:sp>
       <p:grpSp>
         <p:nvGrpSpPr>
-          <p:cNvPr id="31" name="组 5"/>
+          <p:cNvPr id="6" name="组 5"/>
           <p:cNvGrpSpPr/>
           <p:nvPr/>
         </p:nvGrpSpPr>
         <p:grpSpPr>
           <a:xfrm>
-            <a:off x="2940575" y="3375475"/>
+            <a:off x="2650380" y="3375475"/>
             <a:ext cx="2319215" cy="2319215"/>
             <a:chOff x="2938584" y="2242373"/>
             <a:chExt cx="2319215" cy="2319215"/>
@@ -14251,7 +15761,7 @@
         </p:grpSpPr>
         <p:pic>
           <p:nvPicPr>
-            <p:cNvPr id="32" name="图片 3">
+            <p:cNvPr id="4" name="图片 3">
               <a:hlinkClick r:id="rId4" action="ppaction://hlinkfile"/>
             </p:cNvPr>
             <p:cNvPicPr>
@@ -14283,13 +15793,13 @@
         </p:pic>
         <p:sp>
           <p:nvSpPr>
-            <p:cNvPr id="33" name="文本框 4"/>
+            <p:cNvPr id="7" name="文本框 4"/>
             <p:cNvSpPr txBox="1"/>
             <p:nvPr/>
           </p:nvSpPr>
           <p:spPr>
             <a:xfrm>
-              <a:off x="3361437" y="2743945"/>
+              <a:off x="3384297" y="2728705"/>
               <a:ext cx="1427480" cy="306705"/>
             </a:xfrm>
             <a:prstGeom prst="rect">
@@ -14302,12 +15812,13 @@
               <a:spAutoFit/>
             </a:bodyPr>
             <a:p>
-              <a:pPr algn="l"/>
+              <a:pPr algn="ctr"/>
               <a:r>
                 <a:rPr kumimoji="1" lang="zh-CN" altLang="en-US" sz="1400" dirty="0">
                   <a:latin typeface="微软雅黑 Light" panose="020B0502040204020203" pitchFamily="34" charset="-122"/>
                   <a:ea typeface="微软雅黑 Light" panose="020B0502040204020203" pitchFamily="34" charset="-122"/>
                   <a:cs typeface="微软雅黑 Light" panose="020B0502040204020203" pitchFamily="34" charset="-122"/>
+                  <a:sym typeface="+mn-ea"/>
                 </a:rPr>
                 <a:t>可行性分析报告</a:t>
               </a:r>
@@ -14322,13 +15833,13 @@
       </p:grpSp>
       <p:grpSp>
         <p:nvGrpSpPr>
-          <p:cNvPr id="34" name="组 5"/>
+          <p:cNvPr id="9" name="组 5"/>
           <p:cNvGrpSpPr/>
           <p:nvPr/>
         </p:nvGrpSpPr>
         <p:grpSpPr>
           <a:xfrm>
-            <a:off x="5892689" y="3375821"/>
+            <a:off x="4846209" y="3375821"/>
             <a:ext cx="2319215" cy="2319215"/>
             <a:chOff x="2938584" y="2242373"/>
             <a:chExt cx="2319215" cy="2319215"/>
@@ -14336,7 +15847,7 @@
         </p:grpSpPr>
         <p:pic>
           <p:nvPicPr>
-            <p:cNvPr id="35" name="图片 3">
+            <p:cNvPr id="10" name="图片 3">
               <a:hlinkClick r:id="rId4" action="ppaction://hlinkfile"/>
             </p:cNvPr>
             <p:cNvPicPr>
@@ -14368,13 +15879,13 @@
         </p:pic>
         <p:sp>
           <p:nvSpPr>
-            <p:cNvPr id="36" name="文本框 4"/>
+            <p:cNvPr id="11" name="文本框 4"/>
             <p:cNvSpPr txBox="1"/>
             <p:nvPr/>
           </p:nvSpPr>
           <p:spPr>
             <a:xfrm>
-              <a:off x="3373502" y="2728705"/>
+              <a:off x="3384297" y="2728705"/>
               <a:ext cx="1427480" cy="306705"/>
             </a:xfrm>
             <a:prstGeom prst="rect">
@@ -14387,11 +15898,13 @@
               <a:spAutoFit/>
             </a:bodyPr>
             <a:p>
+              <a:pPr algn="ctr"/>
               <a:r>
                 <a:rPr kumimoji="1" lang="zh-CN" altLang="en-US" sz="1400" dirty="0">
                   <a:latin typeface="微软雅黑 Light" panose="020B0502040204020203" pitchFamily="34" charset="-122"/>
                   <a:ea typeface="微软雅黑 Light" panose="020B0502040204020203" pitchFamily="34" charset="-122"/>
                   <a:cs typeface="微软雅黑 Light" panose="020B0502040204020203" pitchFamily="34" charset="-122"/>
+                  <a:sym typeface="+mn-ea"/>
                 </a:rPr>
                 <a:t>可行性分析报告</a:t>
               </a:r>
@@ -14406,13 +15919,13 @@
       </p:grpSp>
       <p:grpSp>
         <p:nvGrpSpPr>
-          <p:cNvPr id="37" name="组 5"/>
+          <p:cNvPr id="18" name="组 5"/>
           <p:cNvGrpSpPr/>
           <p:nvPr/>
         </p:nvGrpSpPr>
         <p:grpSpPr>
           <a:xfrm>
-            <a:off x="8845440" y="3408379"/>
+            <a:off x="7041405" y="3375359"/>
             <a:ext cx="2319215" cy="2319215"/>
             <a:chOff x="2938584" y="2242373"/>
             <a:chExt cx="2319215" cy="2319215"/>
@@ -14420,7 +15933,7 @@
         </p:grpSpPr>
         <p:pic>
           <p:nvPicPr>
-            <p:cNvPr id="38" name="图片 3">
+            <p:cNvPr id="20" name="图片 3">
               <a:hlinkClick r:id="rId4" action="ppaction://hlinkfile"/>
             </p:cNvPr>
             <p:cNvPicPr>
@@ -14452,13 +15965,13 @@
         </p:pic>
         <p:sp>
           <p:nvSpPr>
-            <p:cNvPr id="39" name="文本框 4"/>
+            <p:cNvPr id="21" name="文本框 4"/>
             <p:cNvSpPr txBox="1"/>
             <p:nvPr/>
           </p:nvSpPr>
           <p:spPr>
             <a:xfrm>
-              <a:off x="3384297" y="2711560"/>
+              <a:off x="3384297" y="2727435"/>
               <a:ext cx="1427480" cy="306705"/>
             </a:xfrm>
             <a:prstGeom prst="rect">
@@ -14471,11 +15984,13 @@
               <a:spAutoFit/>
             </a:bodyPr>
             <a:p>
+              <a:pPr algn="l"/>
               <a:r>
                 <a:rPr kumimoji="1" lang="zh-CN" altLang="en-US" sz="1400" dirty="0">
                   <a:latin typeface="微软雅黑 Light" panose="020B0502040204020203" pitchFamily="34" charset="-122"/>
                   <a:ea typeface="微软雅黑 Light" panose="020B0502040204020203" pitchFamily="34" charset="-122"/>
                   <a:cs typeface="微软雅黑 Light" panose="020B0502040204020203" pitchFamily="34" charset="-122"/>
+                  <a:sym typeface="+mn-ea"/>
                 </a:rPr>
                 <a:t>可行性分析报告</a:t>
               </a:r>
@@ -14488,6 +16003,397 @@
           </p:txBody>
         </p:sp>
       </p:grpSp>
+      <p:grpSp>
+        <p:nvGrpSpPr>
+          <p:cNvPr id="24" name="组 5"/>
+          <p:cNvGrpSpPr/>
+          <p:nvPr/>
+        </p:nvGrpSpPr>
+        <p:grpSpPr>
+          <a:xfrm>
+            <a:off x="9236600" y="3375359"/>
+            <a:ext cx="2319215" cy="2319215"/>
+            <a:chOff x="2938584" y="2242373"/>
+            <a:chExt cx="2319215" cy="2319215"/>
+          </a:xfrm>
+        </p:grpSpPr>
+        <p:pic>
+          <p:nvPicPr>
+            <p:cNvPr id="26" name="图片 3">
+              <a:hlinkClick r:id="rId4" action="ppaction://hlinkfile"/>
+            </p:cNvPr>
+            <p:cNvPicPr>
+              <a:picLocks noChangeAspect="1"/>
+            </p:cNvPicPr>
+            <p:nvPr/>
+          </p:nvPicPr>
+          <p:blipFill>
+            <a:blip r:embed="rId5" cstate="print">
+              <a:extLst>
+                <a:ext uri="{28A0092B-C50C-407E-A947-70E740481C1C}">
+                  <a14:useLocalDpi xmlns:a14="http://schemas.microsoft.com/office/drawing/2010/main" val="0"/>
+                </a:ext>
+              </a:extLst>
+            </a:blip>
+            <a:stretch>
+              <a:fillRect/>
+            </a:stretch>
+          </p:blipFill>
+          <p:spPr>
+            <a:xfrm>
+              <a:off x="2938584" y="2242373"/>
+              <a:ext cx="2319215" cy="2319215"/>
+            </a:xfrm>
+            <a:prstGeom prst="rect">
+              <a:avLst/>
+            </a:prstGeom>
+          </p:spPr>
+        </p:pic>
+        <p:sp>
+          <p:nvSpPr>
+            <p:cNvPr id="27" name="文本框 4"/>
+            <p:cNvSpPr txBox="1"/>
+            <p:nvPr/>
+          </p:nvSpPr>
+          <p:spPr>
+            <a:xfrm>
+              <a:off x="3384297" y="2727435"/>
+              <a:ext cx="1427480" cy="306705"/>
+            </a:xfrm>
+            <a:prstGeom prst="rect">
+              <a:avLst/>
+            </a:prstGeom>
+            <a:noFill/>
+          </p:spPr>
+          <p:txBody>
+            <a:bodyPr wrap="none" rtlCol="0">
+              <a:spAutoFit/>
+            </a:bodyPr>
+            <a:p>
+              <a:pPr algn="l"/>
+              <a:r>
+                <a:rPr kumimoji="1" lang="zh-CN" altLang="en-US" sz="1400" dirty="0">
+                  <a:latin typeface="微软雅黑 Light" panose="020B0502040204020203" pitchFamily="34" charset="-122"/>
+                  <a:ea typeface="微软雅黑 Light" panose="020B0502040204020203" pitchFamily="34" charset="-122"/>
+                  <a:cs typeface="微软雅黑 Light" panose="020B0502040204020203" pitchFamily="34" charset="-122"/>
+                  <a:sym typeface="+mn-ea"/>
+                </a:rPr>
+                <a:t>可行性分析报告</a:t>
+              </a:r>
+              <a:endParaRPr kumimoji="1" lang="zh-CN" altLang="en-US" sz="1400" dirty="0">
+                <a:latin typeface="微软雅黑 Light" panose="020B0502040204020203" pitchFamily="34" charset="-122"/>
+                <a:ea typeface="微软雅黑 Light" panose="020B0502040204020203" pitchFamily="34" charset="-122"/>
+                <a:cs typeface="微软雅黑 Light" panose="020B0502040204020203" pitchFamily="34" charset="-122"/>
+              </a:endParaRPr>
+            </a:p>
+          </p:txBody>
+        </p:sp>
+      </p:grpSp>
+      <p:sp>
+        <p:nvSpPr>
+          <p:cNvPr id="28" name="文本框 6"/>
+          <p:cNvSpPr txBox="1"/>
+          <p:nvPr/>
+        </p:nvSpPr>
+        <p:spPr>
+          <a:xfrm>
+            <a:off x="3418281" y="5765841"/>
+            <a:ext cx="783590" cy="368300"/>
+          </a:xfrm>
+          <a:prstGeom prst="rect">
+            <a:avLst/>
+          </a:prstGeom>
+          <a:noFill/>
+        </p:spPr>
+        <p:txBody>
+          <a:bodyPr wrap="none" rtlCol="0">
+            <a:spAutoFit/>
+          </a:bodyPr>
+          <a:p>
+            <a:pPr algn="ctr"/>
+            <a:r>
+              <a:rPr kumimoji="1" lang="en-US" altLang="zh-CN" dirty="0">
+                <a:latin typeface="微软雅黑 Light" panose="020B0502040204020203" pitchFamily="34" charset="-122"/>
+                <a:ea typeface="微软雅黑 Light" panose="020B0502040204020203" pitchFamily="34" charset="-122"/>
+                <a:cs typeface="微软雅黑 Light" panose="020B0502040204020203" pitchFamily="34" charset="-122"/>
+              </a:rPr>
+              <a:t>V0.1.0</a:t>
+            </a:r>
+            <a:endParaRPr kumimoji="1" lang="zh-CN" altLang="en-US" dirty="0">
+              <a:latin typeface="微软雅黑 Light" panose="020B0502040204020203" pitchFamily="34" charset="-122"/>
+              <a:ea typeface="微软雅黑 Light" panose="020B0502040204020203" pitchFamily="34" charset="-122"/>
+              <a:cs typeface="微软雅黑 Light" panose="020B0502040204020203" pitchFamily="34" charset="-122"/>
+            </a:endParaRPr>
+          </a:p>
+        </p:txBody>
+      </p:sp>
+      <p:sp>
+        <p:nvSpPr>
+          <p:cNvPr id="29" name="文本框 6"/>
+          <p:cNvSpPr txBox="1"/>
+          <p:nvPr/>
+        </p:nvSpPr>
+        <p:spPr>
+          <a:xfrm>
+            <a:off x="5684769" y="5749793"/>
+            <a:ext cx="822325" cy="368300"/>
+          </a:xfrm>
+          <a:prstGeom prst="rect">
+            <a:avLst/>
+          </a:prstGeom>
+          <a:noFill/>
+        </p:spPr>
+        <p:txBody>
+          <a:bodyPr wrap="none" rtlCol="0">
+            <a:spAutoFit/>
+          </a:bodyPr>
+          <a:p>
+            <a:r>
+              <a:rPr kumimoji="1" lang="en-US" altLang="zh-CN" dirty="0">
+                <a:latin typeface="微软雅黑 Light" panose="020B0502040204020203" pitchFamily="34" charset="-122"/>
+                <a:ea typeface="微软雅黑 Light" panose="020B0502040204020203" pitchFamily="34" charset="-122"/>
+                <a:cs typeface="微软雅黑 Light" panose="020B0502040204020203" pitchFamily="34" charset="-122"/>
+              </a:rPr>
+              <a:t>V0.2.0</a:t>
+            </a:r>
+            <a:endParaRPr kumimoji="1" lang="zh-CN" altLang="en-US" dirty="0">
+              <a:latin typeface="微软雅黑 Light" panose="020B0502040204020203" pitchFamily="34" charset="-122"/>
+              <a:ea typeface="微软雅黑 Light" panose="020B0502040204020203" pitchFamily="34" charset="-122"/>
+              <a:cs typeface="微软雅黑 Light" panose="020B0502040204020203" pitchFamily="34" charset="-122"/>
+            </a:endParaRPr>
+          </a:p>
+        </p:txBody>
+      </p:sp>
+      <p:sp>
+        <p:nvSpPr>
+          <p:cNvPr id="30" name="文本框 6"/>
+          <p:cNvSpPr txBox="1"/>
+          <p:nvPr/>
+        </p:nvSpPr>
+        <p:spPr>
+          <a:xfrm>
+            <a:off x="7789448" y="5749736"/>
+            <a:ext cx="822325" cy="368300"/>
+          </a:xfrm>
+          <a:prstGeom prst="rect">
+            <a:avLst/>
+          </a:prstGeom>
+          <a:noFill/>
+        </p:spPr>
+        <p:txBody>
+          <a:bodyPr wrap="none" rtlCol="0">
+            <a:spAutoFit/>
+          </a:bodyPr>
+          <a:p>
+            <a:r>
+              <a:rPr kumimoji="1" lang="en-US" altLang="zh-CN" dirty="0">
+                <a:latin typeface="微软雅黑 Light" panose="020B0502040204020203" pitchFamily="34" charset="-122"/>
+                <a:ea typeface="微软雅黑 Light" panose="020B0502040204020203" pitchFamily="34" charset="-122"/>
+                <a:cs typeface="微软雅黑 Light" panose="020B0502040204020203" pitchFamily="34" charset="-122"/>
+              </a:rPr>
+              <a:t>V0.3.0</a:t>
+            </a:r>
+            <a:endParaRPr kumimoji="1" lang="zh-CN" altLang="en-US" dirty="0">
+              <a:latin typeface="微软雅黑 Light" panose="020B0502040204020203" pitchFamily="34" charset="-122"/>
+              <a:ea typeface="微软雅黑 Light" panose="020B0502040204020203" pitchFamily="34" charset="-122"/>
+              <a:cs typeface="微软雅黑 Light" panose="020B0502040204020203" pitchFamily="34" charset="-122"/>
+            </a:endParaRPr>
+          </a:p>
+        </p:txBody>
+      </p:sp>
+      <p:sp>
+        <p:nvSpPr>
+          <p:cNvPr id="40" name="文本框 6"/>
+          <p:cNvSpPr txBox="1"/>
+          <p:nvPr/>
+        </p:nvSpPr>
+        <p:spPr>
+          <a:xfrm>
+            <a:off x="8954673" y="5765611"/>
+            <a:ext cx="2883535" cy="368300"/>
+          </a:xfrm>
+          <a:prstGeom prst="rect">
+            <a:avLst/>
+          </a:prstGeom>
+          <a:noFill/>
+        </p:spPr>
+        <p:txBody>
+          <a:bodyPr wrap="none" rtlCol="0">
+            <a:spAutoFit/>
+          </a:bodyPr>
+          <a:p>
+            <a:r>
+              <a:rPr kumimoji="1" lang="en-US" altLang="zh-CN" dirty="0">
+                <a:latin typeface="微软雅黑 Light" panose="020B0502040204020203" pitchFamily="34" charset="-122"/>
+                <a:ea typeface="微软雅黑 Light" panose="020B0502040204020203" pitchFamily="34" charset="-122"/>
+                <a:cs typeface="微软雅黑 Light" panose="020B0502040204020203" pitchFamily="34" charset="-122"/>
+              </a:rPr>
+              <a:t>V0.4.0</a:t>
+            </a:r>
+            <a:r>
+              <a:rPr kumimoji="1" lang="zh-CN" altLang="en-US" dirty="0">
+                <a:latin typeface="微软雅黑 Light" panose="020B0502040204020203" pitchFamily="34" charset="-122"/>
+                <a:ea typeface="微软雅黑 Light" panose="020B0502040204020203" pitchFamily="34" charset="-122"/>
+                <a:cs typeface="微软雅黑 Light" panose="020B0502040204020203" pitchFamily="34" charset="-122"/>
+              </a:rPr>
+              <a:t>（后续版本待修订）</a:t>
+            </a:r>
+            <a:endParaRPr kumimoji="1" lang="zh-CN" altLang="en-US" dirty="0">
+              <a:latin typeface="微软雅黑 Light" panose="020B0502040204020203" pitchFamily="34" charset="-122"/>
+              <a:ea typeface="微软雅黑 Light" panose="020B0502040204020203" pitchFamily="34" charset="-122"/>
+              <a:cs typeface="微软雅黑 Light" panose="020B0502040204020203" pitchFamily="34" charset="-122"/>
+            </a:endParaRPr>
+          </a:p>
+        </p:txBody>
+      </p:sp>
+      <p:sp>
+        <p:nvSpPr>
+          <p:cNvPr id="41" name="文本框 13"/>
+          <p:cNvSpPr txBox="1"/>
+          <p:nvPr/>
+        </p:nvSpPr>
+        <p:spPr>
+          <a:xfrm>
+            <a:off x="3194868" y="6199813"/>
+            <a:ext cx="1230630" cy="368300"/>
+          </a:xfrm>
+          <a:prstGeom prst="rect">
+            <a:avLst/>
+          </a:prstGeom>
+          <a:noFill/>
+        </p:spPr>
+        <p:txBody>
+          <a:bodyPr wrap="none" rtlCol="0">
+            <a:spAutoFit/>
+          </a:bodyPr>
+          <a:p>
+            <a:r>
+              <a:rPr kumimoji="1" lang="en-US" altLang="zh-CN" dirty="0">
+                <a:latin typeface="微软雅黑 Light" panose="020B0502040204020203" pitchFamily="34" charset="-122"/>
+                <a:ea typeface="微软雅黑 Light" panose="020B0502040204020203" pitchFamily="34" charset="-122"/>
+                <a:cs typeface="微软雅黑 Light" panose="020B0502040204020203" pitchFamily="34" charset="-122"/>
+              </a:rPr>
+              <a:t>2020.11.03</a:t>
+            </a:r>
+            <a:endParaRPr kumimoji="1" lang="zh-CN" altLang="en-US" dirty="0">
+              <a:latin typeface="微软雅黑 Light" panose="020B0502040204020203" pitchFamily="34" charset="-122"/>
+              <a:ea typeface="微软雅黑 Light" panose="020B0502040204020203" pitchFamily="34" charset="-122"/>
+              <a:cs typeface="微软雅黑 Light" panose="020B0502040204020203" pitchFamily="34" charset="-122"/>
+            </a:endParaRPr>
+          </a:p>
+        </p:txBody>
+      </p:sp>
+      <p:sp>
+        <p:nvSpPr>
+          <p:cNvPr id="42" name="文本框 13"/>
+          <p:cNvSpPr txBox="1"/>
+          <p:nvPr/>
+        </p:nvSpPr>
+        <p:spPr>
+          <a:xfrm>
+            <a:off x="5461240" y="6199525"/>
+            <a:ext cx="1230630" cy="368300"/>
+          </a:xfrm>
+          <a:prstGeom prst="rect">
+            <a:avLst/>
+          </a:prstGeom>
+          <a:noFill/>
+        </p:spPr>
+        <p:txBody>
+          <a:bodyPr wrap="none" rtlCol="0">
+            <a:spAutoFit/>
+          </a:bodyPr>
+          <a:p>
+            <a:r>
+              <a:rPr kumimoji="1" lang="en-US" altLang="zh-CN" dirty="0">
+                <a:latin typeface="微软雅黑 Light" panose="020B0502040204020203" pitchFamily="34" charset="-122"/>
+                <a:ea typeface="微软雅黑 Light" panose="020B0502040204020203" pitchFamily="34" charset="-122"/>
+                <a:cs typeface="微软雅黑 Light" panose="020B0502040204020203" pitchFamily="34" charset="-122"/>
+              </a:rPr>
+              <a:t>2020.11.05</a:t>
+            </a:r>
+            <a:endParaRPr kumimoji="1" lang="zh-CN" altLang="en-US" dirty="0">
+              <a:latin typeface="微软雅黑 Light" panose="020B0502040204020203" pitchFamily="34" charset="-122"/>
+              <a:ea typeface="微软雅黑 Light" panose="020B0502040204020203" pitchFamily="34" charset="-122"/>
+              <a:cs typeface="微软雅黑 Light" panose="020B0502040204020203" pitchFamily="34" charset="-122"/>
+            </a:endParaRPr>
+          </a:p>
+        </p:txBody>
+      </p:sp>
+      <p:sp>
+        <p:nvSpPr>
+          <p:cNvPr id="43" name="文本框 13"/>
+          <p:cNvSpPr txBox="1"/>
+          <p:nvPr/>
+        </p:nvSpPr>
+        <p:spPr>
+          <a:xfrm>
+            <a:off x="7513387" y="6198429"/>
+            <a:ext cx="1230630" cy="368300"/>
+          </a:xfrm>
+          <a:prstGeom prst="rect">
+            <a:avLst/>
+          </a:prstGeom>
+          <a:noFill/>
+        </p:spPr>
+        <p:txBody>
+          <a:bodyPr wrap="none" rtlCol="0">
+            <a:spAutoFit/>
+          </a:bodyPr>
+          <a:p>
+            <a:r>
+              <a:rPr kumimoji="1" lang="en-US" altLang="zh-CN" dirty="0">
+                <a:latin typeface="微软雅黑 Light" panose="020B0502040204020203" pitchFamily="34" charset="-122"/>
+                <a:ea typeface="微软雅黑 Light" panose="020B0502040204020203" pitchFamily="34" charset="-122"/>
+                <a:cs typeface="微软雅黑 Light" panose="020B0502040204020203" pitchFamily="34" charset="-122"/>
+              </a:rPr>
+              <a:t>2020.11.06</a:t>
+            </a:r>
+            <a:endParaRPr kumimoji="1" lang="zh-CN" altLang="en-US" dirty="0">
+              <a:latin typeface="微软雅黑 Light" panose="020B0502040204020203" pitchFamily="34" charset="-122"/>
+              <a:ea typeface="微软雅黑 Light" panose="020B0502040204020203" pitchFamily="34" charset="-122"/>
+              <a:cs typeface="微软雅黑 Light" panose="020B0502040204020203" pitchFamily="34" charset="-122"/>
+            </a:endParaRPr>
+          </a:p>
+        </p:txBody>
+      </p:sp>
+      <p:sp>
+        <p:nvSpPr>
+          <p:cNvPr id="44" name="文本框 13"/>
+          <p:cNvSpPr txBox="1"/>
+          <p:nvPr/>
+        </p:nvSpPr>
+        <p:spPr>
+          <a:xfrm>
+            <a:off x="9855267" y="6199699"/>
+            <a:ext cx="1191895" cy="368300"/>
+          </a:xfrm>
+          <a:prstGeom prst="rect">
+            <a:avLst/>
+          </a:prstGeom>
+          <a:noFill/>
+        </p:spPr>
+        <p:txBody>
+          <a:bodyPr wrap="none" rtlCol="0">
+            <a:spAutoFit/>
+          </a:bodyPr>
+          <a:p>
+            <a:r>
+              <a:rPr kumimoji="1" lang="en-US" altLang="zh-CN" dirty="0">
+                <a:latin typeface="微软雅黑 Light" panose="020B0502040204020203" pitchFamily="34" charset="-122"/>
+                <a:ea typeface="微软雅黑 Light" panose="020B0502040204020203" pitchFamily="34" charset="-122"/>
+                <a:cs typeface="微软雅黑 Light" panose="020B0502040204020203" pitchFamily="34" charset="-122"/>
+              </a:rPr>
+              <a:t>2020.11.15</a:t>
+            </a:r>
+            <a:endParaRPr kumimoji="1" lang="zh-CN" altLang="en-US" dirty="0">
+              <a:latin typeface="微软雅黑 Light" panose="020B0502040204020203" pitchFamily="34" charset="-122"/>
+              <a:ea typeface="微软雅黑 Light" panose="020B0502040204020203" pitchFamily="34" charset="-122"/>
+              <a:cs typeface="微软雅黑 Light" panose="020B0502040204020203" pitchFamily="34" charset="-122"/>
+            </a:endParaRPr>
+          </a:p>
+        </p:txBody>
+      </p:sp>
     </p:spTree>
   </p:cSld>
   <p:clrMapOvr>
@@ -14496,7 +16402,7 @@
 </p:sld>
 </file>
 
-<file path=ppt/slides/slide7.xml><?xml version="1.0" encoding="utf-8"?>
+<file path=ppt/slides/slide8.xml><?xml version="1.0" encoding="utf-8"?>
 <p:sld xmlns:a="http://schemas.openxmlformats.org/drawingml/2006/main" xmlns:r="http://schemas.openxmlformats.org/officeDocument/2006/relationships" xmlns:p="http://schemas.openxmlformats.org/presentationml/2006/main">
   <p:cSld>
     <p:spTree>
@@ -14630,252 +16536,6 @@
                 <a:latin typeface="宋体" panose="02010600030101010101" pitchFamily="2" charset="-122"/>
                 <a:ea typeface="宋体" panose="02010600030101010101" pitchFamily="2" charset="-122"/>
               </a:rPr>
-              <a:t>更新 </a:t>
-            </a:r>
-            <a:endParaRPr lang="zh-CN" altLang="en-US" sz="2800" b="1" noProof="0" dirty="0">
-              <a:ln>
-                <a:noFill/>
-              </a:ln>
-              <a:solidFill>
-                <a:schemeClr val="tx1">
-                  <a:lumMod val="75000"/>
-                  <a:lumOff val="25000"/>
-                </a:schemeClr>
-              </a:solidFill>
-              <a:uLnTx/>
-              <a:uFillTx/>
-              <a:latin typeface="宋体" panose="02010600030101010101" pitchFamily="2" charset="-122"/>
-              <a:ea typeface="宋体" panose="02010600030101010101" pitchFamily="2" charset="-122"/>
-            </a:endParaRPr>
-          </a:p>
-        </p:txBody>
-      </p:sp>
-      <p:sp>
-        <p:nvSpPr>
-          <p:cNvPr id="2" name="文本框 1"/>
-          <p:cNvSpPr txBox="1"/>
-          <p:nvPr/>
-        </p:nvSpPr>
-        <p:spPr>
-          <a:xfrm>
-            <a:off x="671830" y="2734945"/>
-            <a:ext cx="2162175" cy="1753235"/>
-          </a:xfrm>
-          <a:prstGeom prst="rect">
-            <a:avLst/>
-          </a:prstGeom>
-          <a:noFill/>
-        </p:spPr>
-        <p:txBody>
-          <a:bodyPr wrap="square" rtlCol="0">
-            <a:spAutoFit/>
-          </a:bodyPr>
-          <a:lstStyle/>
-          <a:p>
-            <a:pPr fontAlgn="auto">
-              <a:lnSpc>
-                <a:spcPct val="150000"/>
-              </a:lnSpc>
-            </a:pPr>
-            <a:r>
-              <a:rPr lang="zh-CN" altLang="en-US" dirty="0">
-                <a:latin typeface="宋体" panose="02010600030101010101" pitchFamily="2" charset="-122"/>
-                <a:ea typeface="宋体" panose="02010600030101010101" pitchFamily="2" charset="-122"/>
-                <a:cs typeface="宋体" panose="02010600030101010101" pitchFamily="2" charset="-122"/>
-              </a:rPr>
-              <a:t>已根据实际开发情况修改细化项目计划</a:t>
-            </a:r>
-            <a:r>
-              <a:rPr lang="zh-CN" altLang="en-US" dirty="0">
-                <a:latin typeface="宋体" panose="02010600030101010101" pitchFamily="2" charset="-122"/>
-                <a:ea typeface="宋体" panose="02010600030101010101" pitchFamily="2" charset="-122"/>
-                <a:cs typeface="宋体" panose="02010600030101010101" pitchFamily="2" charset="-122"/>
-                <a:hlinkClick r:id="rId2" tooltip="" action="ppaction://hlinkfile"/>
-              </a:rPr>
-              <a:t>甘特图</a:t>
-            </a:r>
-            <a:r>
-              <a:rPr lang="zh-CN" altLang="en-US" dirty="0">
-                <a:latin typeface="宋体" panose="02010600030101010101" pitchFamily="2" charset="-122"/>
-                <a:ea typeface="宋体" panose="02010600030101010101" pitchFamily="2" charset="-122"/>
-                <a:cs typeface="宋体" panose="02010600030101010101" pitchFamily="2" charset="-122"/>
-              </a:rPr>
-              <a:t>，将每项任务精确到一天。</a:t>
-            </a:r>
-            <a:endParaRPr lang="zh-CN" altLang="en-US" dirty="0">
-              <a:latin typeface="宋体" panose="02010600030101010101" pitchFamily="2" charset="-122"/>
-              <a:ea typeface="宋体" panose="02010600030101010101" pitchFamily="2" charset="-122"/>
-              <a:cs typeface="宋体" panose="02010600030101010101" pitchFamily="2" charset="-122"/>
-            </a:endParaRPr>
-          </a:p>
-        </p:txBody>
-      </p:sp>
-      <p:pic>
-        <p:nvPicPr>
-          <p:cNvPr id="3" name="Picture 2" descr="甘特图"/>
-          <p:cNvPicPr>
-            <a:picLocks noChangeAspect="1"/>
-          </p:cNvPicPr>
-          <p:nvPr/>
-        </p:nvPicPr>
-        <p:blipFill>
-          <a:blip r:embed="rId3"/>
-          <a:stretch>
-            <a:fillRect/>
-          </a:stretch>
-        </p:blipFill>
-        <p:spPr>
-          <a:xfrm>
-            <a:off x="2973705" y="1657985"/>
-            <a:ext cx="8781415" cy="4398010"/>
-          </a:xfrm>
-          <a:prstGeom prst="rect">
-            <a:avLst/>
-          </a:prstGeom>
-        </p:spPr>
-      </p:pic>
-    </p:spTree>
-  </p:cSld>
-  <p:clrMapOvr>
-    <a:masterClrMapping/>
-  </p:clrMapOvr>
-</p:sld>
-</file>
-
-<file path=ppt/slides/slide8.xml><?xml version="1.0" encoding="utf-8"?>
-<p:sld xmlns:a="http://schemas.openxmlformats.org/drawingml/2006/main" xmlns:r="http://schemas.openxmlformats.org/officeDocument/2006/relationships" xmlns:p="http://schemas.openxmlformats.org/presentationml/2006/main">
-  <p:cSld>
-    <p:spTree>
-      <p:nvGrpSpPr>
-        <p:cNvPr id="1" name=""/>
-        <p:cNvGrpSpPr/>
-        <p:nvPr/>
-      </p:nvGrpSpPr>
-      <p:grpSpPr>
-        <a:xfrm>
-          <a:off x="0" y="0"/>
-          <a:ext cx="0" cy="0"/>
-          <a:chOff x="0" y="0"/>
-          <a:chExt cx="0" cy="0"/>
-        </a:xfrm>
-      </p:grpSpPr>
-      <p:sp>
-        <p:nvSpPr>
-          <p:cNvPr id="5" name="矩形 4"/>
-          <p:cNvSpPr/>
-          <p:nvPr/>
-        </p:nvSpPr>
-        <p:spPr>
-          <a:xfrm>
-            <a:off x="0" y="1522730"/>
-            <a:ext cx="12192000" cy="4668520"/>
-          </a:xfrm>
-          <a:prstGeom prst="rect">
-            <a:avLst/>
-          </a:prstGeom>
-          <a:solidFill>
-            <a:schemeClr val="accent1">
-              <a:lumMod val="40000"/>
-              <a:lumOff val="60000"/>
-            </a:schemeClr>
-          </a:solidFill>
-          <a:ln>
-            <a:noFill/>
-          </a:ln>
-        </p:spPr>
-        <p:style>
-          <a:lnRef idx="2">
-            <a:schemeClr val="accent1">
-              <a:shade val="50000"/>
-            </a:schemeClr>
-          </a:lnRef>
-          <a:fillRef idx="1">
-            <a:schemeClr val="accent1"/>
-          </a:fillRef>
-          <a:effectRef idx="0">
-            <a:schemeClr val="accent1"/>
-          </a:effectRef>
-          <a:fontRef idx="minor">
-            <a:schemeClr val="lt1"/>
-          </a:fontRef>
-        </p:style>
-        <p:txBody>
-          <a:bodyPr rtlCol="0" anchor="ctr"/>
-          <a:lstStyle/>
-          <a:p>
-            <a:pPr algn="ctr"/>
-            <a:endParaRPr lang="zh-CN" altLang="en-US"/>
-          </a:p>
-        </p:txBody>
-      </p:sp>
-      <p:pic>
-        <p:nvPicPr>
-          <p:cNvPr id="19" name="图片 18"/>
-          <p:cNvPicPr>
-            <a:picLocks noChangeAspect="1"/>
-          </p:cNvPicPr>
-          <p:nvPr/>
-        </p:nvPicPr>
-        <p:blipFill>
-          <a:blip r:embed="rId1" cstate="print">
-            <a:extLst>
-              <a:ext uri="{28A0092B-C50C-407E-A947-70E740481C1C}">
-                <a14:useLocalDpi xmlns:a14="http://schemas.microsoft.com/office/drawing/2010/main" val="0"/>
-              </a:ext>
-            </a:extLst>
-          </a:blip>
-          <a:stretch>
-            <a:fillRect/>
-          </a:stretch>
-        </p:blipFill>
-        <p:spPr>
-          <a:xfrm>
-            <a:off x="392177" y="300251"/>
-            <a:ext cx="1221474" cy="1221474"/>
-          </a:xfrm>
-          <a:prstGeom prst="rect">
-            <a:avLst/>
-          </a:prstGeom>
-        </p:spPr>
-      </p:pic>
-      <p:sp>
-        <p:nvSpPr>
-          <p:cNvPr id="25" name="TextBox 24"/>
-          <p:cNvSpPr txBox="1"/>
-          <p:nvPr/>
-        </p:nvSpPr>
-        <p:spPr>
-          <a:xfrm>
-            <a:off x="1614170" y="650240"/>
-            <a:ext cx="7504430" cy="521970"/>
-          </a:xfrm>
-          <a:prstGeom prst="rect">
-            <a:avLst/>
-          </a:prstGeom>
-          <a:noFill/>
-        </p:spPr>
-        <p:txBody>
-          <a:bodyPr wrap="square" rtlCol="0">
-            <a:spAutoFit/>
-          </a:bodyPr>
-          <a:lstStyle/>
-          <a:p>
-            <a:r>
-              <a:rPr lang="zh-CN" altLang="en-US" sz="2800" b="1" noProof="0" dirty="0">
-                <a:ln>
-                  <a:noFill/>
-                </a:ln>
-                <a:solidFill>
-                  <a:schemeClr val="tx1">
-                    <a:lumMod val="75000"/>
-                    <a:lumOff val="25000"/>
-                  </a:schemeClr>
-                </a:solidFill>
-                <a:uLnTx/>
-                <a:uFillTx/>
-                <a:latin typeface="宋体" panose="02010600030101010101" pitchFamily="2" charset="-122"/>
-                <a:ea typeface="宋体" panose="02010600030101010101" pitchFamily="2" charset="-122"/>
-              </a:rPr>
               <a:t>提交 </a:t>
             </a:r>
             <a:endParaRPr lang="zh-CN" altLang="en-US" sz="2800" b="1" noProof="0" dirty="0">
@@ -15023,6 +16683,7 @@
           <a:bodyPr wrap="square" rtlCol="0">
             <a:spAutoFit/>
           </a:bodyPr>
+          <a:lstStyle/>
           <a:p>
             <a:pPr algn="ctr"/>
             <a:r>
@@ -15031,7 +16692,7 @@
                 <a:ea typeface="宋体" panose="02010600030101010101" pitchFamily="2" charset="-122"/>
                 <a:cs typeface="宋体" panose="02010600030101010101" pitchFamily="2" charset="-122"/>
                 <a:sym typeface="+mn-ea"/>
-                <a:hlinkClick r:id="rId4" tooltip="" action="ppaction://hlinkfile"/>
+                <a:hlinkClick r:id="rId4" action="ppaction://hlinkfile"/>
               </a:rPr>
               <a:t>https://github.com/SE2020-G7/footprint</a:t>
             </a:r>
